--- a/Slides.pptx
+++ b/Slides.pptx
@@ -5,7 +5,7 @@
     <p:sldMasterId id="2147483715" r:id="rId4"/>
   </p:sldMasterIdLst>
   <p:notesMasterIdLst>
-    <p:notesMasterId r:id="rId15"/>
+    <p:notesMasterId r:id="rId16"/>
   </p:notesMasterIdLst>
   <p:sldIdLst>
     <p:sldId id="256" r:id="rId5"/>
@@ -17,7 +17,8 @@
     <p:sldId id="266" r:id="rId11"/>
     <p:sldId id="265" r:id="rId12"/>
     <p:sldId id="267" r:id="rId13"/>
-    <p:sldId id="260" r:id="rId14"/>
+    <p:sldId id="270" r:id="rId14"/>
+    <p:sldId id="269" r:id="rId15"/>
   </p:sldIdLst>
   <p:sldSz cx="12192000" cy="6858000"/>
   <p:notesSz cx="6858000" cy="9144000"/>
@@ -130,7 +131,8 @@
             <p14:sldId id="266"/>
             <p14:sldId id="265"/>
             <p14:sldId id="267"/>
-            <p14:sldId id="260"/>
+            <p14:sldId id="270"/>
+            <p14:sldId id="269"/>
           </p14:sldIdLst>
         </p14:section>
       </p14:sectionLst>
@@ -275,6 +277,836 @@
 </pc:chgInfo>
 </file>
 
+<file path=ppt/charts/chart1.xml><?xml version="1.0" encoding="utf-8"?>
+<c:chartSpace xmlns:c="http://schemas.openxmlformats.org/drawingml/2006/chart" xmlns:a="http://schemas.openxmlformats.org/drawingml/2006/main" xmlns:r="http://schemas.openxmlformats.org/officeDocument/2006/relationships" xmlns:c16r2="http://schemas.microsoft.com/office/drawing/2015/06/chart">
+  <c:date1904 val="0"/>
+  <c:lang val="en-US"/>
+  <c:roundedCorners val="0"/>
+  <mc:AlternateContent xmlns:mc="http://schemas.openxmlformats.org/markup-compatibility/2006">
+    <mc:Choice xmlns:c14="http://schemas.microsoft.com/office/drawing/2007/8/2/chart" Requires="c14">
+      <c14:style val="102"/>
+    </mc:Choice>
+    <mc:Fallback>
+      <c:style val="2"/>
+    </mc:Fallback>
+  </mc:AlternateContent>
+  <c:chart>
+    <c:autoTitleDeleted val="1"/>
+    <c:plotArea>
+      <c:layout/>
+      <c:barChart>
+        <c:barDir val="col"/>
+        <c:grouping val="stacked"/>
+        <c:varyColors val="0"/>
+        <c:ser>
+          <c:idx val="1"/>
+          <c:order val="0"/>
+          <c:tx>
+            <c:strRef>
+              <c:f>Sheet1!$D$8</c:f>
+              <c:strCache>
+                <c:ptCount val="1"/>
+                <c:pt idx="0">
+                  <c:v>Your app</c:v>
+                </c:pt>
+              </c:strCache>
+            </c:strRef>
+          </c:tx>
+          <c:spPr>
+            <a:solidFill>
+              <a:schemeClr val="accent2"/>
+            </a:solidFill>
+            <a:ln>
+              <a:noFill/>
+            </a:ln>
+            <a:effectLst/>
+          </c:spPr>
+          <c:invertIfNegative val="0"/>
+          <c:dPt>
+            <c:idx val="0"/>
+            <c:invertIfNegative val="0"/>
+            <c:bubble3D val="0"/>
+            <c:spPr>
+              <a:noFill/>
+              <a:ln>
+                <a:noFill/>
+              </a:ln>
+              <a:effectLst/>
+            </c:spPr>
+            <c:extLst>
+              <c:ext xmlns:c16="http://schemas.microsoft.com/office/drawing/2014/chart" uri="{C3380CC4-5D6E-409C-BE32-E72D297353CC}">
+                <c16:uniqueId val="{00000002-30E7-4EC1-908E-A44B977E85A9}"/>
+              </c:ext>
+            </c:extLst>
+          </c:dPt>
+          <c:dPt>
+            <c:idx val="1"/>
+            <c:invertIfNegative val="0"/>
+            <c:bubble3D val="0"/>
+            <c:spPr>
+              <a:noFill/>
+              <a:ln>
+                <a:noFill/>
+              </a:ln>
+              <a:effectLst/>
+            </c:spPr>
+            <c:extLst>
+              <c:ext xmlns:c16="http://schemas.microsoft.com/office/drawing/2014/chart" uri="{C3380CC4-5D6E-409C-BE32-E72D297353CC}">
+                <c16:uniqueId val="{00000003-30E7-4EC1-908E-A44B977E85A9}"/>
+              </c:ext>
+            </c:extLst>
+          </c:dPt>
+          <c:dPt>
+            <c:idx val="2"/>
+            <c:invertIfNegative val="0"/>
+            <c:bubble3D val="0"/>
+            <c:spPr>
+              <a:noFill/>
+              <a:ln>
+                <a:noFill/>
+              </a:ln>
+              <a:effectLst/>
+            </c:spPr>
+            <c:extLst>
+              <c:ext xmlns:c16="http://schemas.microsoft.com/office/drawing/2014/chart" uri="{C3380CC4-5D6E-409C-BE32-E72D297353CC}">
+                <c16:uniqueId val="{00000004-30E7-4EC1-908E-A44B977E85A9}"/>
+              </c:ext>
+            </c:extLst>
+          </c:dPt>
+          <c:cat>
+            <c:strRef>
+              <c:f>Sheet1!$B$9:$B$11</c:f>
+              <c:strCache>
+                <c:ptCount val="3"/>
+                <c:pt idx="0">
+                  <c:v>Current</c:v>
+                </c:pt>
+                <c:pt idx="1">
+                  <c:v>3.2.0-preview1</c:v>
+                </c:pt>
+                <c:pt idx="2">
+                  <c:v>Brotli precompression</c:v>
+                </c:pt>
+              </c:strCache>
+            </c:strRef>
+          </c:cat>
+          <c:val>
+            <c:numRef>
+              <c:f>Sheet1!$D$9:$D$11</c:f>
+              <c:numCache>
+                <c:formatCode>General</c:formatCode>
+                <c:ptCount val="3"/>
+                <c:pt idx="0">
+                  <c:v>1.2275390625</c:v>
+                </c:pt>
+                <c:pt idx="1">
+                  <c:v>1.126953125</c:v>
+                </c:pt>
+                <c:pt idx="2">
+                  <c:v>0.8701171875</c:v>
+                </c:pt>
+              </c:numCache>
+            </c:numRef>
+          </c:val>
+          <c:extLst>
+            <c:ext xmlns:c16="http://schemas.microsoft.com/office/drawing/2014/chart" uri="{C3380CC4-5D6E-409C-BE32-E72D297353CC}">
+              <c16:uniqueId val="{00000000-30E7-4EC1-908E-A44B977E85A9}"/>
+            </c:ext>
+          </c:extLst>
+        </c:ser>
+        <c:dLbls>
+          <c:showLegendKey val="0"/>
+          <c:showVal val="0"/>
+          <c:showCatName val="0"/>
+          <c:showSerName val="0"/>
+          <c:showPercent val="0"/>
+          <c:showBubbleSize val="0"/>
+        </c:dLbls>
+        <c:gapWidth val="193"/>
+        <c:overlap val="100"/>
+        <c:axId val="2106217983"/>
+        <c:axId val="2104465263"/>
+      </c:barChart>
+      <c:catAx>
+        <c:axId val="2106217983"/>
+        <c:scaling>
+          <c:orientation val="minMax"/>
+        </c:scaling>
+        <c:delete val="1"/>
+        <c:axPos val="b"/>
+        <c:numFmt formatCode="General" sourceLinked="1"/>
+        <c:majorTickMark val="none"/>
+        <c:minorTickMark val="none"/>
+        <c:tickLblPos val="nextTo"/>
+        <c:crossAx val="2104465263"/>
+        <c:crosses val="autoZero"/>
+        <c:auto val="1"/>
+        <c:lblAlgn val="ctr"/>
+        <c:lblOffset val="100"/>
+        <c:noMultiLvlLbl val="0"/>
+      </c:catAx>
+      <c:valAx>
+        <c:axId val="2104465263"/>
+        <c:scaling>
+          <c:orientation val="minMax"/>
+          <c:max val="2.5"/>
+        </c:scaling>
+        <c:delete val="0"/>
+        <c:axPos val="l"/>
+        <c:majorGridlines>
+          <c:spPr>
+            <a:ln w="9525" cap="flat" cmpd="sng" algn="ctr">
+              <a:solidFill>
+                <a:schemeClr val="tx1">
+                  <a:lumMod val="15000"/>
+                  <a:lumOff val="85000"/>
+                </a:schemeClr>
+              </a:solidFill>
+              <a:round/>
+            </a:ln>
+            <a:effectLst/>
+          </c:spPr>
+        </c:majorGridlines>
+        <c:numFmt formatCode="General" sourceLinked="1"/>
+        <c:majorTickMark val="none"/>
+        <c:minorTickMark val="none"/>
+        <c:tickLblPos val="nextTo"/>
+        <c:spPr>
+          <a:noFill/>
+          <a:ln>
+            <a:noFill/>
+          </a:ln>
+          <a:effectLst/>
+        </c:spPr>
+        <c:txPr>
+          <a:bodyPr rot="-60000000" spcFirstLastPara="1" vertOverflow="ellipsis" vert="horz" wrap="square" anchor="ctr" anchorCtr="1"/>
+          <a:lstStyle/>
+          <a:p>
+            <a:pPr>
+              <a:defRPr sz="2000" b="0" i="0" u="none" strike="noStrike" kern="1200" baseline="0">
+                <a:solidFill>
+                  <a:schemeClr val="tx1">
+                    <a:lumMod val="65000"/>
+                    <a:lumOff val="35000"/>
+                  </a:schemeClr>
+                </a:solidFill>
+                <a:latin typeface="+mn-lt"/>
+                <a:ea typeface="+mn-ea"/>
+                <a:cs typeface="+mn-cs"/>
+              </a:defRPr>
+            </a:pPr>
+            <a:endParaRPr lang="en-US"/>
+          </a:p>
+        </c:txPr>
+        <c:crossAx val="2106217983"/>
+        <c:crosses val="autoZero"/>
+        <c:crossBetween val="between"/>
+      </c:valAx>
+      <c:spPr>
+        <a:gradFill>
+          <a:gsLst>
+            <a:gs pos="0">
+              <a:schemeClr val="accent1">
+                <a:lumMod val="5000"/>
+                <a:lumOff val="95000"/>
+              </a:schemeClr>
+            </a:gs>
+            <a:gs pos="60000">
+              <a:schemeClr val="bg1">
+                <a:lumMod val="95000"/>
+              </a:schemeClr>
+            </a:gs>
+            <a:gs pos="100000">
+              <a:srgbClr val="E8E8E8"/>
+            </a:gs>
+          </a:gsLst>
+          <a:lin ang="5400000" scaled="1"/>
+        </a:gradFill>
+        <a:ln>
+          <a:noFill/>
+        </a:ln>
+        <a:effectLst/>
+      </c:spPr>
+    </c:plotArea>
+    <c:plotVisOnly val="1"/>
+    <c:dispBlanksAs val="gap"/>
+    <c:extLst>
+      <c:ext xmlns:c16r3="http://schemas.microsoft.com/office/drawing/2017/03/chart" uri="{56B9EC1D-385E-4148-901F-78D8002777C0}">
+        <c16r3:dataDisplayOptions16>
+          <c16r3:dispNaAsBlank val="1"/>
+        </c16r3:dataDisplayOptions16>
+      </c:ext>
+    </c:extLst>
+    <c:showDLblsOverMax val="0"/>
+  </c:chart>
+  <c:spPr>
+    <a:noFill/>
+    <a:ln>
+      <a:noFill/>
+    </a:ln>
+    <a:effectLst/>
+  </c:spPr>
+  <c:txPr>
+    <a:bodyPr/>
+    <a:lstStyle/>
+    <a:p>
+      <a:pPr>
+        <a:defRPr/>
+      </a:pPr>
+      <a:endParaRPr lang="en-US"/>
+    </a:p>
+  </c:txPr>
+  <c:externalData r:id="rId3">
+    <c:autoUpdate val="0"/>
+  </c:externalData>
+</c:chartSpace>
+</file>
+
+<file path=ppt/charts/colors1.xml><?xml version="1.0" encoding="utf-8"?>
+<cs:colorStyle xmlns:cs="http://schemas.microsoft.com/office/drawing/2012/chartStyle" xmlns:a="http://schemas.openxmlformats.org/drawingml/2006/main" meth="cycle" id="10">
+  <a:schemeClr val="accent1"/>
+  <a:schemeClr val="accent2"/>
+  <a:schemeClr val="accent3"/>
+  <a:schemeClr val="accent4"/>
+  <a:schemeClr val="accent5"/>
+  <a:schemeClr val="accent6"/>
+  <cs:variation/>
+  <cs:variation>
+    <a:lumMod val="60000"/>
+  </cs:variation>
+  <cs:variation>
+    <a:lumMod val="80000"/>
+    <a:lumOff val="20000"/>
+  </cs:variation>
+  <cs:variation>
+    <a:lumMod val="80000"/>
+  </cs:variation>
+  <cs:variation>
+    <a:lumMod val="60000"/>
+    <a:lumOff val="40000"/>
+  </cs:variation>
+  <cs:variation>
+    <a:lumMod val="50000"/>
+  </cs:variation>
+  <cs:variation>
+    <a:lumMod val="70000"/>
+    <a:lumOff val="30000"/>
+  </cs:variation>
+  <cs:variation>
+    <a:lumMod val="70000"/>
+  </cs:variation>
+  <cs:variation>
+    <a:lumMod val="50000"/>
+    <a:lumOff val="50000"/>
+  </cs:variation>
+</cs:colorStyle>
+</file>
+
+<file path=ppt/charts/style1.xml><?xml version="1.0" encoding="utf-8"?>
+<cs:chartStyle xmlns:cs="http://schemas.microsoft.com/office/drawing/2012/chartStyle" xmlns:a="http://schemas.openxmlformats.org/drawingml/2006/main" id="297">
+  <cs:axisTitle>
+    <cs:lnRef idx="0"/>
+    <cs:fillRef idx="0"/>
+    <cs:effectRef idx="0"/>
+    <cs:fontRef idx="minor">
+      <a:schemeClr val="tx1">
+        <a:lumMod val="65000"/>
+        <a:lumOff val="35000"/>
+      </a:schemeClr>
+    </cs:fontRef>
+    <cs:defRPr sz="1000" kern="1200"/>
+  </cs:axisTitle>
+  <cs:categoryAxis>
+    <cs:lnRef idx="0"/>
+    <cs:fillRef idx="0"/>
+    <cs:effectRef idx="0"/>
+    <cs:fontRef idx="minor">
+      <a:schemeClr val="tx1">
+        <a:lumMod val="65000"/>
+        <a:lumOff val="35000"/>
+      </a:schemeClr>
+    </cs:fontRef>
+    <cs:spPr>
+      <a:ln w="9525" cap="flat" cmpd="sng" algn="ctr">
+        <a:solidFill>
+          <a:schemeClr val="tx1">
+            <a:lumMod val="15000"/>
+            <a:lumOff val="85000"/>
+          </a:schemeClr>
+        </a:solidFill>
+        <a:round/>
+      </a:ln>
+    </cs:spPr>
+    <cs:defRPr sz="900" kern="1200"/>
+  </cs:categoryAxis>
+  <cs:chartArea mods="allowNoFillOverride allowNoLineOverride">
+    <cs:lnRef idx="0"/>
+    <cs:fillRef idx="0"/>
+    <cs:effectRef idx="0"/>
+    <cs:fontRef idx="minor">
+      <a:schemeClr val="tx1"/>
+    </cs:fontRef>
+    <cs:spPr>
+      <a:solidFill>
+        <a:schemeClr val="bg1"/>
+      </a:solidFill>
+      <a:ln w="9525" cap="flat" cmpd="sng" algn="ctr">
+        <a:solidFill>
+          <a:schemeClr val="tx1">
+            <a:lumMod val="15000"/>
+            <a:lumOff val="85000"/>
+          </a:schemeClr>
+        </a:solidFill>
+        <a:round/>
+      </a:ln>
+    </cs:spPr>
+    <cs:defRPr sz="1000" kern="1200"/>
+  </cs:chartArea>
+  <cs:dataLabel>
+    <cs:lnRef idx="0"/>
+    <cs:fillRef idx="0"/>
+    <cs:effectRef idx="0"/>
+    <cs:fontRef idx="minor">
+      <a:schemeClr val="tx1">
+        <a:lumMod val="75000"/>
+        <a:lumOff val="25000"/>
+      </a:schemeClr>
+    </cs:fontRef>
+    <cs:defRPr sz="900" kern="1200"/>
+  </cs:dataLabel>
+  <cs:dataLabelCallout>
+    <cs:lnRef idx="0"/>
+    <cs:fillRef idx="0"/>
+    <cs:effectRef idx="0"/>
+    <cs:fontRef idx="minor">
+      <a:schemeClr val="dk1">
+        <a:lumMod val="65000"/>
+        <a:lumOff val="35000"/>
+      </a:schemeClr>
+    </cs:fontRef>
+    <cs:spPr>
+      <a:solidFill>
+        <a:schemeClr val="lt1"/>
+      </a:solidFill>
+      <a:ln>
+        <a:solidFill>
+          <a:schemeClr val="dk1">
+            <a:lumMod val="25000"/>
+            <a:lumOff val="75000"/>
+          </a:schemeClr>
+        </a:solidFill>
+      </a:ln>
+    </cs:spPr>
+    <cs:defRPr sz="900" kern="1200"/>
+    <cs:bodyPr rot="0" spcFirstLastPara="1" vertOverflow="clip" horzOverflow="clip" vert="horz" wrap="square" lIns="36576" tIns="18288" rIns="36576" bIns="18288" anchor="ctr" anchorCtr="1">
+      <a:spAutoFit/>
+    </cs:bodyPr>
+  </cs:dataLabelCallout>
+  <cs:dataPoint>
+    <cs:lnRef idx="0"/>
+    <cs:fillRef idx="1">
+      <cs:styleClr val="auto"/>
+    </cs:fillRef>
+    <cs:effectRef idx="0"/>
+    <cs:fontRef idx="minor">
+      <a:schemeClr val="tx1"/>
+    </cs:fontRef>
+  </cs:dataPoint>
+  <cs:dataPoint3D>
+    <cs:lnRef idx="0"/>
+    <cs:fillRef idx="1">
+      <cs:styleClr val="auto"/>
+    </cs:fillRef>
+    <cs:effectRef idx="0"/>
+    <cs:fontRef idx="minor">
+      <a:schemeClr val="tx1"/>
+    </cs:fontRef>
+  </cs:dataPoint3D>
+  <cs:dataPointLine>
+    <cs:lnRef idx="0">
+      <cs:styleClr val="auto"/>
+    </cs:lnRef>
+    <cs:fillRef idx="1"/>
+    <cs:effectRef idx="0"/>
+    <cs:fontRef idx="minor">
+      <a:schemeClr val="tx1"/>
+    </cs:fontRef>
+    <cs:spPr>
+      <a:ln w="28575" cap="rnd">
+        <a:solidFill>
+          <a:schemeClr val="phClr"/>
+        </a:solidFill>
+        <a:round/>
+      </a:ln>
+    </cs:spPr>
+  </cs:dataPointLine>
+  <cs:dataPointMarker>
+    <cs:lnRef idx="0">
+      <cs:styleClr val="auto"/>
+    </cs:lnRef>
+    <cs:fillRef idx="1">
+      <cs:styleClr val="auto"/>
+    </cs:fillRef>
+    <cs:effectRef idx="0"/>
+    <cs:fontRef idx="minor">
+      <a:schemeClr val="tx1"/>
+    </cs:fontRef>
+    <cs:spPr>
+      <a:ln w="9525">
+        <a:solidFill>
+          <a:schemeClr val="phClr"/>
+        </a:solidFill>
+      </a:ln>
+    </cs:spPr>
+  </cs:dataPointMarker>
+  <cs:dataPointMarkerLayout symbol="circle" size="5"/>
+  <cs:dataPointWireframe>
+    <cs:lnRef idx="0">
+      <cs:styleClr val="auto"/>
+    </cs:lnRef>
+    <cs:fillRef idx="1"/>
+    <cs:effectRef idx="0"/>
+    <cs:fontRef idx="minor">
+      <a:schemeClr val="tx1"/>
+    </cs:fontRef>
+    <cs:spPr>
+      <a:ln w="9525" cap="rnd">
+        <a:solidFill>
+          <a:schemeClr val="phClr"/>
+        </a:solidFill>
+        <a:round/>
+      </a:ln>
+    </cs:spPr>
+  </cs:dataPointWireframe>
+  <cs:dataTable>
+    <cs:lnRef idx="0"/>
+    <cs:fillRef idx="0"/>
+    <cs:effectRef idx="0"/>
+    <cs:fontRef idx="minor">
+      <a:schemeClr val="tx1">
+        <a:lumMod val="65000"/>
+        <a:lumOff val="35000"/>
+      </a:schemeClr>
+    </cs:fontRef>
+    <cs:spPr>
+      <a:noFill/>
+      <a:ln w="9525" cap="flat" cmpd="sng" algn="ctr">
+        <a:solidFill>
+          <a:schemeClr val="tx1">
+            <a:lumMod val="15000"/>
+            <a:lumOff val="85000"/>
+          </a:schemeClr>
+        </a:solidFill>
+        <a:round/>
+      </a:ln>
+    </cs:spPr>
+    <cs:defRPr sz="900" kern="1200"/>
+  </cs:dataTable>
+  <cs:downBar>
+    <cs:lnRef idx="0"/>
+    <cs:fillRef idx="0"/>
+    <cs:effectRef idx="0"/>
+    <cs:fontRef idx="minor">
+      <a:schemeClr val="tx1"/>
+    </cs:fontRef>
+    <cs:spPr>
+      <a:solidFill>
+        <a:schemeClr val="dk1">
+          <a:lumMod val="75000"/>
+          <a:lumOff val="25000"/>
+        </a:schemeClr>
+      </a:solidFill>
+      <a:ln w="9525" cap="flat" cmpd="sng" algn="ctr">
+        <a:solidFill>
+          <a:schemeClr val="tx1">
+            <a:lumMod val="65000"/>
+            <a:lumOff val="35000"/>
+          </a:schemeClr>
+        </a:solidFill>
+        <a:round/>
+      </a:ln>
+    </cs:spPr>
+  </cs:downBar>
+  <cs:dropLine>
+    <cs:lnRef idx="0"/>
+    <cs:fillRef idx="0"/>
+    <cs:effectRef idx="0"/>
+    <cs:fontRef idx="minor">
+      <a:schemeClr val="tx1"/>
+    </cs:fontRef>
+    <cs:spPr>
+      <a:ln w="9525" cap="flat" cmpd="sng" algn="ctr">
+        <a:solidFill>
+          <a:schemeClr val="tx1">
+            <a:lumMod val="35000"/>
+            <a:lumOff val="65000"/>
+          </a:schemeClr>
+        </a:solidFill>
+        <a:round/>
+      </a:ln>
+    </cs:spPr>
+  </cs:dropLine>
+  <cs:errorBar>
+    <cs:lnRef idx="0"/>
+    <cs:fillRef idx="0"/>
+    <cs:effectRef idx="0"/>
+    <cs:fontRef idx="minor">
+      <a:schemeClr val="tx1"/>
+    </cs:fontRef>
+    <cs:spPr>
+      <a:ln w="9525" cap="flat" cmpd="sng" algn="ctr">
+        <a:solidFill>
+          <a:schemeClr val="tx1">
+            <a:lumMod val="65000"/>
+            <a:lumOff val="35000"/>
+          </a:schemeClr>
+        </a:solidFill>
+        <a:round/>
+      </a:ln>
+    </cs:spPr>
+  </cs:errorBar>
+  <cs:floor>
+    <cs:lnRef idx="0"/>
+    <cs:fillRef idx="0"/>
+    <cs:effectRef idx="0"/>
+    <cs:fontRef idx="minor">
+      <a:schemeClr val="tx1"/>
+    </cs:fontRef>
+    <cs:spPr>
+      <a:noFill/>
+      <a:ln>
+        <a:noFill/>
+      </a:ln>
+    </cs:spPr>
+  </cs:floor>
+  <cs:gridlineMajor>
+    <cs:lnRef idx="0"/>
+    <cs:fillRef idx="0"/>
+    <cs:effectRef idx="0"/>
+    <cs:fontRef idx="minor">
+      <a:schemeClr val="tx1"/>
+    </cs:fontRef>
+    <cs:spPr>
+      <a:ln w="9525" cap="flat" cmpd="sng" algn="ctr">
+        <a:solidFill>
+          <a:schemeClr val="tx1">
+            <a:lumMod val="15000"/>
+            <a:lumOff val="85000"/>
+          </a:schemeClr>
+        </a:solidFill>
+        <a:round/>
+      </a:ln>
+    </cs:spPr>
+  </cs:gridlineMajor>
+  <cs:gridlineMinor>
+    <cs:lnRef idx="0"/>
+    <cs:fillRef idx="0"/>
+    <cs:effectRef idx="0"/>
+    <cs:fontRef idx="minor">
+      <a:schemeClr val="tx1"/>
+    </cs:fontRef>
+    <cs:spPr>
+      <a:ln w="9525" cap="flat" cmpd="sng" algn="ctr">
+        <a:solidFill>
+          <a:schemeClr val="tx1">
+            <a:lumMod val="5000"/>
+            <a:lumOff val="95000"/>
+          </a:schemeClr>
+        </a:solidFill>
+        <a:round/>
+      </a:ln>
+    </cs:spPr>
+  </cs:gridlineMinor>
+  <cs:hiLoLine>
+    <cs:lnRef idx="0"/>
+    <cs:fillRef idx="0"/>
+    <cs:effectRef idx="0"/>
+    <cs:fontRef idx="minor">
+      <a:schemeClr val="tx1"/>
+    </cs:fontRef>
+    <cs:spPr>
+      <a:ln w="9525" cap="flat" cmpd="sng" algn="ctr">
+        <a:solidFill>
+          <a:schemeClr val="tx1">
+            <a:lumMod val="50000"/>
+            <a:lumOff val="50000"/>
+          </a:schemeClr>
+        </a:solidFill>
+        <a:round/>
+      </a:ln>
+    </cs:spPr>
+  </cs:hiLoLine>
+  <cs:leaderLine>
+    <cs:lnRef idx="0"/>
+    <cs:fillRef idx="0"/>
+    <cs:effectRef idx="0"/>
+    <cs:fontRef idx="minor">
+      <a:schemeClr val="tx1"/>
+    </cs:fontRef>
+    <cs:spPr>
+      <a:ln w="9525" cap="flat" cmpd="sng" algn="ctr">
+        <a:solidFill>
+          <a:schemeClr val="tx1">
+            <a:lumMod val="35000"/>
+            <a:lumOff val="65000"/>
+          </a:schemeClr>
+        </a:solidFill>
+        <a:round/>
+      </a:ln>
+    </cs:spPr>
+  </cs:leaderLine>
+  <cs:legend>
+    <cs:lnRef idx="0"/>
+    <cs:fillRef idx="0"/>
+    <cs:effectRef idx="0"/>
+    <cs:fontRef idx="minor">
+      <a:schemeClr val="tx1">
+        <a:lumMod val="65000"/>
+        <a:lumOff val="35000"/>
+      </a:schemeClr>
+    </cs:fontRef>
+    <cs:defRPr sz="900" kern="1200"/>
+  </cs:legend>
+  <cs:plotArea mods="allowNoFillOverride allowNoLineOverride">
+    <cs:lnRef idx="0"/>
+    <cs:fillRef idx="0"/>
+    <cs:effectRef idx="0"/>
+    <cs:fontRef idx="minor">
+      <a:schemeClr val="tx1"/>
+    </cs:fontRef>
+  </cs:plotArea>
+  <cs:plotArea3D mods="allowNoFillOverride allowNoLineOverride">
+    <cs:lnRef idx="0"/>
+    <cs:fillRef idx="0"/>
+    <cs:effectRef idx="0"/>
+    <cs:fontRef idx="minor">
+      <a:schemeClr val="tx1"/>
+    </cs:fontRef>
+  </cs:plotArea3D>
+  <cs:seriesAxis>
+    <cs:lnRef idx="0"/>
+    <cs:fillRef idx="0"/>
+    <cs:effectRef idx="0"/>
+    <cs:fontRef idx="minor">
+      <a:schemeClr val="tx1">
+        <a:lumMod val="65000"/>
+        <a:lumOff val="35000"/>
+      </a:schemeClr>
+    </cs:fontRef>
+    <cs:defRPr sz="900" kern="1200"/>
+  </cs:seriesAxis>
+  <cs:seriesLine>
+    <cs:lnRef idx="0"/>
+    <cs:fillRef idx="0"/>
+    <cs:effectRef idx="0"/>
+    <cs:fontRef idx="minor">
+      <a:schemeClr val="tx1"/>
+    </cs:fontRef>
+    <cs:spPr>
+      <a:ln w="9525" cap="flat" cmpd="sng" algn="ctr">
+        <a:solidFill>
+          <a:schemeClr val="tx1">
+            <a:lumMod val="35000"/>
+            <a:lumOff val="65000"/>
+          </a:schemeClr>
+        </a:solidFill>
+        <a:round/>
+      </a:ln>
+    </cs:spPr>
+  </cs:seriesLine>
+  <cs:title>
+    <cs:lnRef idx="0"/>
+    <cs:fillRef idx="0"/>
+    <cs:effectRef idx="0"/>
+    <cs:fontRef idx="minor">
+      <a:schemeClr val="tx1">
+        <a:lumMod val="65000"/>
+        <a:lumOff val="35000"/>
+      </a:schemeClr>
+    </cs:fontRef>
+    <cs:defRPr sz="1400" b="0" kern="1200" spc="0" baseline="0"/>
+  </cs:title>
+  <cs:trendline>
+    <cs:lnRef idx="0">
+      <cs:styleClr val="auto"/>
+    </cs:lnRef>
+    <cs:fillRef idx="0"/>
+    <cs:effectRef idx="0"/>
+    <cs:fontRef idx="minor">
+      <a:schemeClr val="tx1"/>
+    </cs:fontRef>
+    <cs:spPr>
+      <a:ln w="19050" cap="rnd">
+        <a:solidFill>
+          <a:schemeClr val="phClr"/>
+        </a:solidFill>
+        <a:prstDash val="sysDot"/>
+      </a:ln>
+    </cs:spPr>
+  </cs:trendline>
+  <cs:trendlineLabel>
+    <cs:lnRef idx="0"/>
+    <cs:fillRef idx="0"/>
+    <cs:effectRef idx="0"/>
+    <cs:fontRef idx="minor">
+      <a:schemeClr val="tx1">
+        <a:lumMod val="65000"/>
+        <a:lumOff val="35000"/>
+      </a:schemeClr>
+    </cs:fontRef>
+    <cs:defRPr sz="900" kern="1200"/>
+  </cs:trendlineLabel>
+  <cs:upBar>
+    <cs:lnRef idx="0"/>
+    <cs:fillRef idx="0"/>
+    <cs:effectRef idx="0"/>
+    <cs:fontRef idx="minor">
+      <a:schemeClr val="tx1"/>
+    </cs:fontRef>
+    <cs:spPr>
+      <a:solidFill>
+        <a:schemeClr val="lt1"/>
+      </a:solidFill>
+      <a:ln w="9525" cap="flat" cmpd="sng" algn="ctr">
+        <a:solidFill>
+          <a:schemeClr val="tx1">
+            <a:lumMod val="65000"/>
+            <a:lumOff val="35000"/>
+          </a:schemeClr>
+        </a:solidFill>
+        <a:round/>
+      </a:ln>
+    </cs:spPr>
+  </cs:upBar>
+  <cs:valueAxis>
+    <cs:lnRef idx="0"/>
+    <cs:fillRef idx="0"/>
+    <cs:effectRef idx="0"/>
+    <cs:fontRef idx="minor">
+      <a:schemeClr val="tx1">
+        <a:lumMod val="65000"/>
+        <a:lumOff val="35000"/>
+      </a:schemeClr>
+    </cs:fontRef>
+    <cs:defRPr sz="900" kern="1200"/>
+  </cs:valueAxis>
+  <cs:wall>
+    <cs:lnRef idx="0"/>
+    <cs:fillRef idx="0"/>
+    <cs:effectRef idx="0"/>
+    <cs:fontRef idx="minor">
+      <a:schemeClr val="tx1"/>
+    </cs:fontRef>
+    <cs:spPr>
+      <a:noFill/>
+      <a:ln>
+        <a:noFill/>
+      </a:ln>
+    </cs:spPr>
+  </cs:wall>
+</cs:chartStyle>
+</file>
+
 <file path=ppt/notesMasters/notesMaster1.xml><?xml version="1.0" encoding="utf-8"?>
 <p:notesMaster xmlns:a="http://schemas.openxmlformats.org/drawingml/2006/main" xmlns:r="http://schemas.openxmlformats.org/officeDocument/2006/relationships" xmlns:p="http://schemas.openxmlformats.org/presentationml/2006/main">
   <p:cSld>
@@ -357,7 +1189,7 @@
           <a:p>
             <a:fld id="{18438622-0837-4E9E-A16C-0B0206CE676E}" type="datetimeFigureOut">
               <a:rPr lang="en-US" smtClean="0"/>
-              <a:t>1/9/2020</a:t>
+              <a:t>1/13/2020</a:t>
             </a:fld>
             <a:endParaRPr lang="en-US"/>
           </a:p>
@@ -782,7 +1614,91 @@
     </p:spTree>
     <p:extLst>
       <p:ext uri="{BB962C8B-B14F-4D97-AF65-F5344CB8AC3E}">
-        <p14:creationId xmlns:p14="http://schemas.microsoft.com/office/powerpoint/2010/main" val="1182493613"/>
+        <p14:creationId xmlns:p14="http://schemas.microsoft.com/office/powerpoint/2010/main" val="2376273185"/>
+      </p:ext>
+    </p:extLst>
+  </p:cSld>
+  <p:clrMapOvr>
+    <a:masterClrMapping/>
+  </p:clrMapOvr>
+</p:notes>
+</file>
+
+<file path=ppt/notesSlides/notesSlide11.xml><?xml version="1.0" encoding="utf-8"?>
+<p:notes xmlns:a="http://schemas.openxmlformats.org/drawingml/2006/main" xmlns:r="http://schemas.openxmlformats.org/officeDocument/2006/relationships" xmlns:p="http://schemas.openxmlformats.org/presentationml/2006/main">
+  <p:cSld>
+    <p:spTree>
+      <p:nvGrpSpPr>
+        <p:cNvPr id="1" name=""/>
+        <p:cNvGrpSpPr/>
+        <p:nvPr/>
+      </p:nvGrpSpPr>
+      <p:grpSpPr>
+        <a:xfrm>
+          <a:off x="0" y="0"/>
+          <a:ext cx="0" cy="0"/>
+          <a:chOff x="0" y="0"/>
+          <a:chExt cx="0" cy="0"/>
+        </a:xfrm>
+      </p:grpSpPr>
+      <p:sp>
+        <p:nvSpPr>
+          <p:cNvPr id="2" name="Slide Image Placeholder 1"/>
+          <p:cNvSpPr>
+            <a:spLocks noGrp="1" noRot="1" noChangeAspect="1"/>
+          </p:cNvSpPr>
+          <p:nvPr>
+            <p:ph type="sldImg"/>
+          </p:nvPr>
+        </p:nvSpPr>
+        <p:spPr/>
+      </p:sp>
+      <p:sp>
+        <p:nvSpPr>
+          <p:cNvPr id="3" name="Notes Placeholder 2"/>
+          <p:cNvSpPr>
+            <a:spLocks noGrp="1"/>
+          </p:cNvSpPr>
+          <p:nvPr>
+            <p:ph type="body" idx="1"/>
+          </p:nvPr>
+        </p:nvSpPr>
+        <p:spPr/>
+        <p:txBody>
+          <a:bodyPr/>
+          <a:lstStyle/>
+          <a:p>
+            <a:endParaRPr lang="en-US"/>
+          </a:p>
+        </p:txBody>
+      </p:sp>
+      <p:sp>
+        <p:nvSpPr>
+          <p:cNvPr id="4" name="Slide Number Placeholder 3"/>
+          <p:cNvSpPr>
+            <a:spLocks noGrp="1"/>
+          </p:cNvSpPr>
+          <p:nvPr>
+            <p:ph type="sldNum" sz="quarter" idx="10"/>
+          </p:nvPr>
+        </p:nvSpPr>
+        <p:spPr/>
+        <p:txBody>
+          <a:bodyPr/>
+          <a:lstStyle/>
+          <a:p>
+            <a:fld id="{E0AE778D-2A57-4226-B72B-26EA3CA60131}" type="slidenum">
+              <a:rPr lang="en-US" smtClean="0"/>
+              <a:t>11</a:t>
+            </a:fld>
+            <a:endParaRPr lang="en-US"/>
+          </a:p>
+        </p:txBody>
+      </p:sp>
+    </p:spTree>
+    <p:extLst>
+      <p:ext uri="{BB962C8B-B14F-4D97-AF65-F5344CB8AC3E}">
+        <p14:creationId xmlns:p14="http://schemas.microsoft.com/office/powerpoint/2010/main" val="3779278228"/>
       </p:ext>
     </p:extLst>
   </p:cSld>
@@ -6439,6 +7355,1539 @@
       </p:grpSpPr>
       <p:sp>
         <p:nvSpPr>
+          <p:cNvPr id="3" name="Title 2">
+            <a:extLst>
+              <a:ext uri="{FF2B5EF4-FFF2-40B4-BE49-F238E27FC236}">
+                <a16:creationId xmlns:a16="http://schemas.microsoft.com/office/drawing/2014/main" id="{4D6FEFBB-5DFC-4490-BA6A-1BC45DEA5EC8}"/>
+              </a:ext>
+            </a:extLst>
+          </p:cNvPr>
+          <p:cNvSpPr>
+            <a:spLocks noGrp="1"/>
+          </p:cNvSpPr>
+          <p:nvPr>
+            <p:ph type="title"/>
+          </p:nvPr>
+        </p:nvSpPr>
+        <p:spPr/>
+        <p:txBody>
+          <a:bodyPr/>
+          <a:lstStyle/>
+          <a:p>
+            <a:r>
+              <a:rPr lang="en-US" sz="4400" dirty="0"/>
+              <a:t>Default Blazor </a:t>
+            </a:r>
+            <a:r>
+              <a:rPr lang="en-US" sz="4400" dirty="0" err="1"/>
+              <a:t>WebAssembly</a:t>
+            </a:r>
+            <a:r>
+              <a:rPr lang="en-US" sz="4400" dirty="0"/>
+              <a:t> app size (MB)</a:t>
+            </a:r>
+          </a:p>
+        </p:txBody>
+      </p:sp>
+      <p:graphicFrame>
+        <p:nvGraphicFramePr>
+          <p:cNvPr id="6" name="Chart 5">
+            <a:extLst>
+              <a:ext uri="{FF2B5EF4-FFF2-40B4-BE49-F238E27FC236}">
+                <a16:creationId xmlns:a16="http://schemas.microsoft.com/office/drawing/2014/main" id="{6A0FAE50-874F-4B3D-AE30-13990A032448}"/>
+              </a:ext>
+            </a:extLst>
+          </p:cNvPr>
+          <p:cNvGraphicFramePr>
+            <a:graphicFrameLocks/>
+          </p:cNvGraphicFramePr>
+          <p:nvPr>
+            <p:extLst>
+              <p:ext uri="{D42A27DB-BD31-4B8C-83A1-F6EECF244321}">
+                <p14:modId xmlns:p14="http://schemas.microsoft.com/office/powerpoint/2010/main" val="3359848753"/>
+              </p:ext>
+            </p:extLst>
+          </p:nvPr>
+        </p:nvGraphicFramePr>
+        <p:xfrm>
+          <a:off x="1466192" y="1401844"/>
+          <a:ext cx="7472857" cy="4404312"/>
+        </p:xfrm>
+        <a:graphic>
+          <a:graphicData uri="http://schemas.openxmlformats.org/drawingml/2006/chart">
+            <c:chart xmlns:c="http://schemas.openxmlformats.org/drawingml/2006/chart" xmlns:r="http://schemas.openxmlformats.org/officeDocument/2006/relationships" r:id="rId3"/>
+          </a:graphicData>
+        </a:graphic>
+      </p:graphicFrame>
+      <p:grpSp>
+        <p:nvGrpSpPr>
+          <p:cNvPr id="15" name="Group 14">
+            <a:extLst>
+              <a:ext uri="{FF2B5EF4-FFF2-40B4-BE49-F238E27FC236}">
+                <a16:creationId xmlns:a16="http://schemas.microsoft.com/office/drawing/2014/main" id="{DCAB37BF-34FF-445A-9A7C-1158B3DCFBD3}"/>
+              </a:ext>
+            </a:extLst>
+          </p:cNvPr>
+          <p:cNvGrpSpPr/>
+          <p:nvPr/>
+        </p:nvGrpSpPr>
+        <p:grpSpPr>
+          <a:xfrm>
+            <a:off x="2927022" y="2368750"/>
+            <a:ext cx="853031" cy="3204202"/>
+            <a:chOff x="3768064" y="2546085"/>
+            <a:chExt cx="853031" cy="3204202"/>
+          </a:xfrm>
+        </p:grpSpPr>
+        <p:sp>
+          <p:nvSpPr>
+            <p:cNvPr id="7" name="Rectangle 6">
+              <a:extLst>
+                <a:ext uri="{FF2B5EF4-FFF2-40B4-BE49-F238E27FC236}">
+                  <a16:creationId xmlns:a16="http://schemas.microsoft.com/office/drawing/2014/main" id="{2BCAE271-B5F2-422E-8138-79D4653900FA}"/>
+                </a:ext>
+              </a:extLst>
+            </p:cNvPr>
+            <p:cNvSpPr/>
+            <p:nvPr/>
+          </p:nvSpPr>
+          <p:spPr bwMode="auto">
+            <a:xfrm>
+              <a:off x="3768064" y="3817160"/>
+              <a:ext cx="853031" cy="1933127"/>
+            </a:xfrm>
+            <a:prstGeom prst="rect">
+              <a:avLst/>
+            </a:prstGeom>
+            <a:solidFill>
+              <a:srgbClr val="5C2D91"/>
+            </a:solidFill>
+            <a:ln>
+              <a:noFill/>
+              <a:headEnd type="none" w="med" len="med"/>
+              <a:tailEnd type="none" w="med" len="med"/>
+            </a:ln>
+            <a:effectLst/>
+          </p:spPr>
+          <p:style>
+            <a:lnRef idx="1">
+              <a:schemeClr val="accent2"/>
+            </a:lnRef>
+            <a:fillRef idx="3">
+              <a:schemeClr val="accent2"/>
+            </a:fillRef>
+            <a:effectRef idx="2">
+              <a:schemeClr val="accent2"/>
+            </a:effectRef>
+            <a:fontRef idx="minor">
+              <a:schemeClr val="lt1"/>
+            </a:fontRef>
+          </p:style>
+          <p:txBody>
+            <a:bodyPr rot="0" spcFirstLastPara="0" vertOverflow="overflow" horzOverflow="overflow" vert="horz" wrap="square" lIns="182880" tIns="146304" rIns="182880" bIns="146304" numCol="1" spcCol="0" rtlCol="0" fromWordArt="0" anchor="t" anchorCtr="0" forceAA="0" compatLnSpc="1">
+              <a:prstTxWarp prst="textNoShape">
+                <a:avLst/>
+              </a:prstTxWarp>
+              <a:noAutofit/>
+            </a:bodyPr>
+            <a:lstStyle/>
+            <a:p>
+              <a:pPr algn="ctr" defTabSz="932472" fontAlgn="base">
+                <a:lnSpc>
+                  <a:spcPct val="90000"/>
+                </a:lnSpc>
+                <a:spcBef>
+                  <a:spcPct val="0"/>
+                </a:spcBef>
+                <a:spcAft>
+                  <a:spcPct val="0"/>
+                </a:spcAft>
+              </a:pPr>
+              <a:endParaRPr lang="en-GB" sz="2400" dirty="0" err="1">
+                <a:gradFill>
+                  <a:gsLst>
+                    <a:gs pos="0">
+                      <a:srgbClr val="FFFFFF"/>
+                    </a:gs>
+                    <a:gs pos="100000">
+                      <a:srgbClr val="FFFFFF"/>
+                    </a:gs>
+                  </a:gsLst>
+                  <a:lin ang="5400000" scaled="0"/>
+                </a:gradFill>
+                <a:ea typeface="Segoe UI" pitchFamily="34" charset="0"/>
+                <a:cs typeface="Segoe UI" pitchFamily="34" charset="0"/>
+              </a:endParaRPr>
+            </a:p>
+          </p:txBody>
+        </p:sp>
+        <p:sp>
+          <p:nvSpPr>
+            <p:cNvPr id="8" name="Rectangle 7">
+              <a:extLst>
+                <a:ext uri="{FF2B5EF4-FFF2-40B4-BE49-F238E27FC236}">
+                  <a16:creationId xmlns:a16="http://schemas.microsoft.com/office/drawing/2014/main" id="{FF249321-7FF0-485E-A30C-E93CD721F919}"/>
+                </a:ext>
+              </a:extLst>
+            </p:cNvPr>
+            <p:cNvSpPr/>
+            <p:nvPr/>
+          </p:nvSpPr>
+          <p:spPr bwMode="auto">
+            <a:xfrm>
+              <a:off x="3768064" y="2546085"/>
+              <a:ext cx="853031" cy="1271076"/>
+            </a:xfrm>
+            <a:prstGeom prst="rect">
+              <a:avLst/>
+            </a:prstGeom>
+            <a:solidFill>
+              <a:srgbClr val="008272"/>
+            </a:solidFill>
+            <a:ln>
+              <a:noFill/>
+              <a:headEnd type="none" w="med" len="med"/>
+              <a:tailEnd type="none" w="med" len="med"/>
+            </a:ln>
+            <a:effectLst/>
+          </p:spPr>
+          <p:style>
+            <a:lnRef idx="1">
+              <a:schemeClr val="accent2"/>
+            </a:lnRef>
+            <a:fillRef idx="3">
+              <a:schemeClr val="accent2"/>
+            </a:fillRef>
+            <a:effectRef idx="2">
+              <a:schemeClr val="accent2"/>
+            </a:effectRef>
+            <a:fontRef idx="minor">
+              <a:schemeClr val="lt1"/>
+            </a:fontRef>
+          </p:style>
+          <p:txBody>
+            <a:bodyPr rot="0" spcFirstLastPara="0" vertOverflow="overflow" horzOverflow="overflow" vert="horz" wrap="square" lIns="182880" tIns="146304" rIns="182880" bIns="146304" numCol="1" spcCol="0" rtlCol="0" fromWordArt="0" anchor="t" anchorCtr="0" forceAA="0" compatLnSpc="1">
+              <a:prstTxWarp prst="textNoShape">
+                <a:avLst/>
+              </a:prstTxWarp>
+              <a:noAutofit/>
+            </a:bodyPr>
+            <a:lstStyle/>
+            <a:p>
+              <a:pPr algn="ctr" defTabSz="932472" fontAlgn="base">
+                <a:lnSpc>
+                  <a:spcPct val="90000"/>
+                </a:lnSpc>
+                <a:spcBef>
+                  <a:spcPct val="0"/>
+                </a:spcBef>
+                <a:spcAft>
+                  <a:spcPct val="0"/>
+                </a:spcAft>
+              </a:pPr>
+              <a:endParaRPr lang="en-GB" sz="2400" dirty="0" err="1">
+                <a:gradFill>
+                  <a:gsLst>
+                    <a:gs pos="0">
+                      <a:srgbClr val="FFFFFF"/>
+                    </a:gs>
+                    <a:gs pos="100000">
+                      <a:srgbClr val="FFFFFF"/>
+                    </a:gs>
+                  </a:gsLst>
+                  <a:lin ang="5400000" scaled="0"/>
+                </a:gradFill>
+                <a:ea typeface="Segoe UI" pitchFamily="34" charset="0"/>
+                <a:cs typeface="Segoe UI" pitchFamily="34" charset="0"/>
+              </a:endParaRPr>
+            </a:p>
+          </p:txBody>
+        </p:sp>
+      </p:grpSp>
+      <p:grpSp>
+        <p:nvGrpSpPr>
+          <p:cNvPr id="16" name="Group 15">
+            <a:extLst>
+              <a:ext uri="{FF2B5EF4-FFF2-40B4-BE49-F238E27FC236}">
+                <a16:creationId xmlns:a16="http://schemas.microsoft.com/office/drawing/2014/main" id="{B36EE27F-B962-4B18-86B9-C58F62C73554}"/>
+              </a:ext>
+            </a:extLst>
+          </p:cNvPr>
+          <p:cNvGrpSpPr/>
+          <p:nvPr/>
+        </p:nvGrpSpPr>
+        <p:grpSpPr>
+          <a:xfrm>
+            <a:off x="5129075" y="2537944"/>
+            <a:ext cx="853031" cy="3035007"/>
+            <a:chOff x="5976330" y="2715279"/>
+            <a:chExt cx="853031" cy="3035007"/>
+          </a:xfrm>
+        </p:grpSpPr>
+        <p:sp>
+          <p:nvSpPr>
+            <p:cNvPr id="11" name="Rectangle 10">
+              <a:extLst>
+                <a:ext uri="{FF2B5EF4-FFF2-40B4-BE49-F238E27FC236}">
+                  <a16:creationId xmlns:a16="http://schemas.microsoft.com/office/drawing/2014/main" id="{430F5BFB-8039-42C5-8EC0-8FCC8A80BA11}"/>
+                </a:ext>
+              </a:extLst>
+            </p:cNvPr>
+            <p:cNvSpPr/>
+            <p:nvPr/>
+          </p:nvSpPr>
+          <p:spPr bwMode="auto">
+            <a:xfrm>
+              <a:off x="5976330" y="3973451"/>
+              <a:ext cx="853031" cy="1776835"/>
+            </a:xfrm>
+            <a:prstGeom prst="rect">
+              <a:avLst/>
+            </a:prstGeom>
+            <a:solidFill>
+              <a:srgbClr val="5C2D91"/>
+            </a:solidFill>
+            <a:ln>
+              <a:noFill/>
+              <a:headEnd type="none" w="med" len="med"/>
+              <a:tailEnd type="none" w="med" len="med"/>
+            </a:ln>
+            <a:effectLst/>
+          </p:spPr>
+          <p:style>
+            <a:lnRef idx="1">
+              <a:schemeClr val="accent2"/>
+            </a:lnRef>
+            <a:fillRef idx="3">
+              <a:schemeClr val="accent2"/>
+            </a:fillRef>
+            <a:effectRef idx="2">
+              <a:schemeClr val="accent2"/>
+            </a:effectRef>
+            <a:fontRef idx="minor">
+              <a:schemeClr val="lt1"/>
+            </a:fontRef>
+          </p:style>
+          <p:txBody>
+            <a:bodyPr rot="0" spcFirstLastPara="0" vertOverflow="overflow" horzOverflow="overflow" vert="horz" wrap="square" lIns="182880" tIns="146304" rIns="182880" bIns="146304" numCol="1" spcCol="0" rtlCol="0" fromWordArt="0" anchor="t" anchorCtr="0" forceAA="0" compatLnSpc="1">
+              <a:prstTxWarp prst="textNoShape">
+                <a:avLst/>
+              </a:prstTxWarp>
+              <a:noAutofit/>
+            </a:bodyPr>
+            <a:lstStyle/>
+            <a:p>
+              <a:pPr algn="ctr" defTabSz="932472" fontAlgn="base">
+                <a:lnSpc>
+                  <a:spcPct val="90000"/>
+                </a:lnSpc>
+                <a:spcBef>
+                  <a:spcPct val="0"/>
+                </a:spcBef>
+                <a:spcAft>
+                  <a:spcPct val="0"/>
+                </a:spcAft>
+              </a:pPr>
+              <a:endParaRPr lang="en-GB" sz="2400" dirty="0" err="1">
+                <a:gradFill>
+                  <a:gsLst>
+                    <a:gs pos="0">
+                      <a:srgbClr val="FFFFFF"/>
+                    </a:gs>
+                    <a:gs pos="100000">
+                      <a:srgbClr val="FFFFFF"/>
+                    </a:gs>
+                  </a:gsLst>
+                  <a:lin ang="5400000" scaled="0"/>
+                </a:gradFill>
+                <a:ea typeface="Segoe UI" pitchFamily="34" charset="0"/>
+                <a:cs typeface="Segoe UI" pitchFamily="34" charset="0"/>
+              </a:endParaRPr>
+            </a:p>
+          </p:txBody>
+        </p:sp>
+        <p:sp>
+          <p:nvSpPr>
+            <p:cNvPr id="12" name="Rectangle 11">
+              <a:extLst>
+                <a:ext uri="{FF2B5EF4-FFF2-40B4-BE49-F238E27FC236}">
+                  <a16:creationId xmlns:a16="http://schemas.microsoft.com/office/drawing/2014/main" id="{9F32CFC2-C13D-4227-A6C8-CC154C6BE652}"/>
+                </a:ext>
+              </a:extLst>
+            </p:cNvPr>
+            <p:cNvSpPr/>
+            <p:nvPr/>
+          </p:nvSpPr>
+          <p:spPr bwMode="auto">
+            <a:xfrm>
+              <a:off x="5976330" y="2715279"/>
+              <a:ext cx="853031" cy="1258172"/>
+            </a:xfrm>
+            <a:prstGeom prst="rect">
+              <a:avLst/>
+            </a:prstGeom>
+            <a:solidFill>
+              <a:srgbClr val="008272"/>
+            </a:solidFill>
+            <a:ln>
+              <a:noFill/>
+              <a:headEnd type="none" w="med" len="med"/>
+              <a:tailEnd type="none" w="med" len="med"/>
+            </a:ln>
+            <a:effectLst/>
+          </p:spPr>
+          <p:style>
+            <a:lnRef idx="1">
+              <a:schemeClr val="accent2"/>
+            </a:lnRef>
+            <a:fillRef idx="3">
+              <a:schemeClr val="accent2"/>
+            </a:fillRef>
+            <a:effectRef idx="2">
+              <a:schemeClr val="accent2"/>
+            </a:effectRef>
+            <a:fontRef idx="minor">
+              <a:schemeClr val="lt1"/>
+            </a:fontRef>
+          </p:style>
+          <p:txBody>
+            <a:bodyPr rot="0" spcFirstLastPara="0" vertOverflow="overflow" horzOverflow="overflow" vert="horz" wrap="square" lIns="182880" tIns="146304" rIns="182880" bIns="146304" numCol="1" spcCol="0" rtlCol="0" fromWordArt="0" anchor="t" anchorCtr="0" forceAA="0" compatLnSpc="1">
+              <a:prstTxWarp prst="textNoShape">
+                <a:avLst/>
+              </a:prstTxWarp>
+              <a:noAutofit/>
+            </a:bodyPr>
+            <a:lstStyle/>
+            <a:p>
+              <a:pPr algn="ctr" defTabSz="932472" fontAlgn="base">
+                <a:lnSpc>
+                  <a:spcPct val="90000"/>
+                </a:lnSpc>
+                <a:spcBef>
+                  <a:spcPct val="0"/>
+                </a:spcBef>
+                <a:spcAft>
+                  <a:spcPct val="0"/>
+                </a:spcAft>
+              </a:pPr>
+              <a:endParaRPr lang="en-GB" sz="2400" dirty="0" err="1">
+                <a:gradFill>
+                  <a:gsLst>
+                    <a:gs pos="0">
+                      <a:srgbClr val="FFFFFF"/>
+                    </a:gs>
+                    <a:gs pos="100000">
+                      <a:srgbClr val="FFFFFF"/>
+                    </a:gs>
+                  </a:gsLst>
+                  <a:lin ang="5400000" scaled="0"/>
+                </a:gradFill>
+                <a:ea typeface="Segoe UI" pitchFamily="34" charset="0"/>
+                <a:cs typeface="Segoe UI" pitchFamily="34" charset="0"/>
+              </a:endParaRPr>
+            </a:p>
+          </p:txBody>
+        </p:sp>
+      </p:grpSp>
+      <p:grpSp>
+        <p:nvGrpSpPr>
+          <p:cNvPr id="17" name="Group 16">
+            <a:extLst>
+              <a:ext uri="{FF2B5EF4-FFF2-40B4-BE49-F238E27FC236}">
+                <a16:creationId xmlns:a16="http://schemas.microsoft.com/office/drawing/2014/main" id="{27F4368F-967D-4089-9F5A-BB2F933CE23C}"/>
+              </a:ext>
+            </a:extLst>
+          </p:cNvPr>
+          <p:cNvGrpSpPr/>
+          <p:nvPr/>
+        </p:nvGrpSpPr>
+        <p:grpSpPr>
+          <a:xfrm>
+            <a:off x="7331128" y="3274350"/>
+            <a:ext cx="853031" cy="2298601"/>
+            <a:chOff x="8172170" y="3451685"/>
+            <a:chExt cx="853031" cy="2298601"/>
+          </a:xfrm>
+        </p:grpSpPr>
+        <p:sp>
+          <p:nvSpPr>
+            <p:cNvPr id="13" name="Rectangle 12">
+              <a:extLst>
+                <a:ext uri="{FF2B5EF4-FFF2-40B4-BE49-F238E27FC236}">
+                  <a16:creationId xmlns:a16="http://schemas.microsoft.com/office/drawing/2014/main" id="{7E365E76-3EAF-40DE-A6E8-BA267F841C24}"/>
+                </a:ext>
+              </a:extLst>
+            </p:cNvPr>
+            <p:cNvSpPr/>
+            <p:nvPr/>
+          </p:nvSpPr>
+          <p:spPr bwMode="auto">
+            <a:xfrm>
+              <a:off x="8172170" y="4385281"/>
+              <a:ext cx="853031" cy="1365005"/>
+            </a:xfrm>
+            <a:prstGeom prst="rect">
+              <a:avLst/>
+            </a:prstGeom>
+            <a:solidFill>
+              <a:srgbClr val="5C2D91">
+                <a:alpha val="25000"/>
+              </a:srgbClr>
+            </a:solidFill>
+            <a:ln w="25400">
+              <a:solidFill>
+                <a:srgbClr val="5C2D91"/>
+              </a:solidFill>
+              <a:prstDash val="dash"/>
+              <a:headEnd type="none" w="med" len="med"/>
+              <a:tailEnd type="none" w="med" len="med"/>
+            </a:ln>
+            <a:effectLst/>
+          </p:spPr>
+          <p:style>
+            <a:lnRef idx="1">
+              <a:schemeClr val="accent2"/>
+            </a:lnRef>
+            <a:fillRef idx="3">
+              <a:schemeClr val="accent2"/>
+            </a:fillRef>
+            <a:effectRef idx="2">
+              <a:schemeClr val="accent2"/>
+            </a:effectRef>
+            <a:fontRef idx="minor">
+              <a:schemeClr val="lt1"/>
+            </a:fontRef>
+          </p:style>
+          <p:txBody>
+            <a:bodyPr rot="0" spcFirstLastPara="0" vertOverflow="overflow" horzOverflow="overflow" vert="horz" wrap="square" lIns="182880" tIns="146304" rIns="182880" bIns="146304" numCol="1" spcCol="0" rtlCol="0" fromWordArt="0" anchor="t" anchorCtr="0" forceAA="0" compatLnSpc="1">
+              <a:prstTxWarp prst="textNoShape">
+                <a:avLst/>
+              </a:prstTxWarp>
+              <a:noAutofit/>
+            </a:bodyPr>
+            <a:lstStyle/>
+            <a:p>
+              <a:pPr algn="ctr" defTabSz="932472" fontAlgn="base">
+                <a:lnSpc>
+                  <a:spcPct val="90000"/>
+                </a:lnSpc>
+                <a:spcBef>
+                  <a:spcPct val="0"/>
+                </a:spcBef>
+                <a:spcAft>
+                  <a:spcPct val="0"/>
+                </a:spcAft>
+              </a:pPr>
+              <a:endParaRPr lang="en-GB" sz="2400" dirty="0" err="1">
+                <a:gradFill>
+                  <a:gsLst>
+                    <a:gs pos="0">
+                      <a:srgbClr val="FFFFFF"/>
+                    </a:gs>
+                    <a:gs pos="100000">
+                      <a:srgbClr val="FFFFFF"/>
+                    </a:gs>
+                  </a:gsLst>
+                  <a:lin ang="5400000" scaled="0"/>
+                </a:gradFill>
+                <a:ea typeface="Segoe UI" pitchFamily="34" charset="0"/>
+                <a:cs typeface="Segoe UI" pitchFamily="34" charset="0"/>
+              </a:endParaRPr>
+            </a:p>
+          </p:txBody>
+        </p:sp>
+        <p:sp>
+          <p:nvSpPr>
+            <p:cNvPr id="14" name="Rectangle 13">
+              <a:extLst>
+                <a:ext uri="{FF2B5EF4-FFF2-40B4-BE49-F238E27FC236}">
+                  <a16:creationId xmlns:a16="http://schemas.microsoft.com/office/drawing/2014/main" id="{C05E1C35-720D-4B31-9A1C-812B9571DEDE}"/>
+                </a:ext>
+              </a:extLst>
+            </p:cNvPr>
+            <p:cNvSpPr/>
+            <p:nvPr/>
+          </p:nvSpPr>
+          <p:spPr bwMode="auto">
+            <a:xfrm>
+              <a:off x="8172170" y="3451685"/>
+              <a:ext cx="853031" cy="933596"/>
+            </a:xfrm>
+            <a:prstGeom prst="rect">
+              <a:avLst/>
+            </a:prstGeom>
+            <a:solidFill>
+              <a:srgbClr val="008272">
+                <a:alpha val="25000"/>
+              </a:srgbClr>
+            </a:solidFill>
+            <a:ln w="25400">
+              <a:solidFill>
+                <a:srgbClr val="008272"/>
+              </a:solidFill>
+              <a:prstDash val="dash"/>
+              <a:headEnd type="none" w="med" len="med"/>
+              <a:tailEnd type="none" w="med" len="med"/>
+            </a:ln>
+            <a:effectLst/>
+          </p:spPr>
+          <p:style>
+            <a:lnRef idx="1">
+              <a:schemeClr val="accent2"/>
+            </a:lnRef>
+            <a:fillRef idx="3">
+              <a:schemeClr val="accent2"/>
+            </a:fillRef>
+            <a:effectRef idx="2">
+              <a:schemeClr val="accent2"/>
+            </a:effectRef>
+            <a:fontRef idx="minor">
+              <a:schemeClr val="lt1"/>
+            </a:fontRef>
+          </p:style>
+          <p:txBody>
+            <a:bodyPr rot="0" spcFirstLastPara="0" vertOverflow="overflow" horzOverflow="overflow" vert="horz" wrap="square" lIns="182880" tIns="146304" rIns="182880" bIns="146304" numCol="1" spcCol="0" rtlCol="0" fromWordArt="0" anchor="t" anchorCtr="0" forceAA="0" compatLnSpc="1">
+              <a:prstTxWarp prst="textNoShape">
+                <a:avLst/>
+              </a:prstTxWarp>
+              <a:noAutofit/>
+            </a:bodyPr>
+            <a:lstStyle/>
+            <a:p>
+              <a:pPr algn="ctr" defTabSz="932472" fontAlgn="base">
+                <a:lnSpc>
+                  <a:spcPct val="90000"/>
+                </a:lnSpc>
+                <a:spcBef>
+                  <a:spcPct val="0"/>
+                </a:spcBef>
+                <a:spcAft>
+                  <a:spcPct val="0"/>
+                </a:spcAft>
+              </a:pPr>
+              <a:endParaRPr lang="en-GB" sz="2400" dirty="0" err="1">
+                <a:gradFill>
+                  <a:gsLst>
+                    <a:gs pos="0">
+                      <a:srgbClr val="FFFFFF"/>
+                    </a:gs>
+                    <a:gs pos="100000">
+                      <a:srgbClr val="FFFFFF"/>
+                    </a:gs>
+                  </a:gsLst>
+                  <a:lin ang="5400000" scaled="0"/>
+                </a:gradFill>
+                <a:ea typeface="Segoe UI" pitchFamily="34" charset="0"/>
+                <a:cs typeface="Segoe UI" pitchFamily="34" charset="0"/>
+              </a:endParaRPr>
+            </a:p>
+          </p:txBody>
+        </p:sp>
+      </p:grpSp>
+      <p:sp>
+        <p:nvSpPr>
+          <p:cNvPr id="18" name="Rectangle 17">
+            <a:extLst>
+              <a:ext uri="{FF2B5EF4-FFF2-40B4-BE49-F238E27FC236}">
+                <a16:creationId xmlns:a16="http://schemas.microsoft.com/office/drawing/2014/main" id="{1A36F57B-D397-44C1-A1CC-25546DBAECFD}"/>
+              </a:ext>
+            </a:extLst>
+          </p:cNvPr>
+          <p:cNvSpPr/>
+          <p:nvPr/>
+        </p:nvSpPr>
+        <p:spPr>
+          <a:xfrm>
+            <a:off x="2822077" y="5681320"/>
+            <a:ext cx="1062920" cy="707886"/>
+          </a:xfrm>
+          <a:prstGeom prst="rect">
+            <a:avLst/>
+          </a:prstGeom>
+        </p:spPr>
+        <p:txBody>
+          <a:bodyPr wrap="none">
+            <a:spAutoFit/>
+          </a:bodyPr>
+          <a:lstStyle/>
+          <a:p>
+            <a:pPr algn="ctr"/>
+            <a:r>
+              <a:rPr lang="en-US" sz="2000" dirty="0"/>
+              <a:t>Current</a:t>
+            </a:r>
+          </a:p>
+          <a:p>
+            <a:pPr algn="ctr"/>
+            <a:r>
+              <a:rPr lang="en-US" sz="2000" dirty="0"/>
+              <a:t>preview</a:t>
+            </a:r>
+            <a:endParaRPr lang="en-GB" sz="2000" dirty="0"/>
+          </a:p>
+        </p:txBody>
+      </p:sp>
+      <p:sp>
+        <p:nvSpPr>
+          <p:cNvPr id="19" name="Rectangle 18">
+            <a:extLst>
+              <a:ext uri="{FF2B5EF4-FFF2-40B4-BE49-F238E27FC236}">
+                <a16:creationId xmlns:a16="http://schemas.microsoft.com/office/drawing/2014/main" id="{D969E971-423D-4504-9F9A-6B0BB75378C8}"/>
+              </a:ext>
+            </a:extLst>
+          </p:cNvPr>
+          <p:cNvSpPr/>
+          <p:nvPr/>
+        </p:nvSpPr>
+        <p:spPr>
+          <a:xfrm>
+            <a:off x="4641016" y="5681320"/>
+            <a:ext cx="1829154" cy="400110"/>
+          </a:xfrm>
+          <a:prstGeom prst="rect">
+            <a:avLst/>
+          </a:prstGeom>
+        </p:spPr>
+        <p:txBody>
+          <a:bodyPr wrap="none">
+            <a:spAutoFit/>
+          </a:bodyPr>
+          <a:lstStyle/>
+          <a:p>
+            <a:pPr algn="ctr"/>
+            <a:r>
+              <a:rPr lang="en-US" sz="2000" dirty="0"/>
+              <a:t>3.2.0-preview1</a:t>
+            </a:r>
+          </a:p>
+        </p:txBody>
+      </p:sp>
+      <p:sp>
+        <p:nvSpPr>
+          <p:cNvPr id="20" name="Rectangle 19">
+            <a:extLst>
+              <a:ext uri="{FF2B5EF4-FFF2-40B4-BE49-F238E27FC236}">
+                <a16:creationId xmlns:a16="http://schemas.microsoft.com/office/drawing/2014/main" id="{8D433921-1B55-4B09-B597-236E686293E3}"/>
+              </a:ext>
+            </a:extLst>
+          </p:cNvPr>
+          <p:cNvSpPr/>
+          <p:nvPr/>
+        </p:nvSpPr>
+        <p:spPr>
+          <a:xfrm>
+            <a:off x="6672283" y="5681320"/>
+            <a:ext cx="2170726" cy="1015663"/>
+          </a:xfrm>
+          <a:prstGeom prst="rect">
+            <a:avLst/>
+          </a:prstGeom>
+        </p:spPr>
+        <p:txBody>
+          <a:bodyPr wrap="square">
+            <a:spAutoFit/>
+          </a:bodyPr>
+          <a:lstStyle/>
+          <a:p>
+            <a:pPr algn="ctr"/>
+            <a:r>
+              <a:rPr lang="en-US" sz="2000" dirty="0" err="1"/>
+              <a:t>Brotli</a:t>
+            </a:r>
+            <a:r>
+              <a:rPr lang="en-US" sz="2000" dirty="0"/>
+              <a:t> max precompression</a:t>
+            </a:r>
+            <a:br>
+              <a:rPr lang="en-US" sz="8800" dirty="0"/>
+            </a:br>
+            <a:endParaRPr lang="en-GB" sz="2000" dirty="0"/>
+          </a:p>
+        </p:txBody>
+      </p:sp>
+      <p:sp>
+        <p:nvSpPr>
+          <p:cNvPr id="21" name="Rectangle 20">
+            <a:extLst>
+              <a:ext uri="{FF2B5EF4-FFF2-40B4-BE49-F238E27FC236}">
+                <a16:creationId xmlns:a16="http://schemas.microsoft.com/office/drawing/2014/main" id="{9B7CBBE7-B9A9-4F65-9A45-25D756CB71F8}"/>
+              </a:ext>
+            </a:extLst>
+          </p:cNvPr>
+          <p:cNvSpPr/>
+          <p:nvPr/>
+        </p:nvSpPr>
+        <p:spPr bwMode="auto">
+          <a:xfrm>
+            <a:off x="9354561" y="1498042"/>
+            <a:ext cx="288435" cy="282298"/>
+          </a:xfrm>
+          <a:prstGeom prst="rect">
+            <a:avLst/>
+          </a:prstGeom>
+          <a:solidFill>
+            <a:srgbClr val="008272"/>
+          </a:solidFill>
+          <a:ln>
+            <a:noFill/>
+            <a:headEnd type="none" w="med" len="med"/>
+            <a:tailEnd type="none" w="med" len="med"/>
+          </a:ln>
+          <a:effectLst/>
+        </p:spPr>
+        <p:style>
+          <a:lnRef idx="1">
+            <a:schemeClr val="accent2"/>
+          </a:lnRef>
+          <a:fillRef idx="3">
+            <a:schemeClr val="accent2"/>
+          </a:fillRef>
+          <a:effectRef idx="2">
+            <a:schemeClr val="accent2"/>
+          </a:effectRef>
+          <a:fontRef idx="minor">
+            <a:schemeClr val="lt1"/>
+          </a:fontRef>
+        </p:style>
+        <p:txBody>
+          <a:bodyPr rot="0" spcFirstLastPara="0" vertOverflow="overflow" horzOverflow="overflow" vert="horz" wrap="square" lIns="182880" tIns="146304" rIns="182880" bIns="146304" numCol="1" spcCol="0" rtlCol="0" fromWordArt="0" anchor="t" anchorCtr="0" forceAA="0" compatLnSpc="1">
+            <a:prstTxWarp prst="textNoShape">
+              <a:avLst/>
+            </a:prstTxWarp>
+            <a:noAutofit/>
+          </a:bodyPr>
+          <a:lstStyle/>
+          <a:p>
+            <a:pPr algn="ctr" defTabSz="932472" fontAlgn="base">
+              <a:lnSpc>
+                <a:spcPct val="90000"/>
+              </a:lnSpc>
+              <a:spcBef>
+                <a:spcPct val="0"/>
+              </a:spcBef>
+              <a:spcAft>
+                <a:spcPct val="0"/>
+              </a:spcAft>
+            </a:pPr>
+            <a:endParaRPr lang="en-GB" sz="2400" dirty="0" err="1">
+              <a:gradFill>
+                <a:gsLst>
+                  <a:gs pos="0">
+                    <a:srgbClr val="FFFFFF"/>
+                  </a:gs>
+                  <a:gs pos="100000">
+                    <a:srgbClr val="FFFFFF"/>
+                  </a:gs>
+                </a:gsLst>
+                <a:lin ang="5400000" scaled="0"/>
+              </a:gradFill>
+              <a:ea typeface="Segoe UI" pitchFamily="34" charset="0"/>
+              <a:cs typeface="Segoe UI" pitchFamily="34" charset="0"/>
+            </a:endParaRPr>
+          </a:p>
+        </p:txBody>
+      </p:sp>
+      <p:sp>
+        <p:nvSpPr>
+          <p:cNvPr id="22" name="Rectangle 21">
+            <a:extLst>
+              <a:ext uri="{FF2B5EF4-FFF2-40B4-BE49-F238E27FC236}">
+                <a16:creationId xmlns:a16="http://schemas.microsoft.com/office/drawing/2014/main" id="{B7F15757-F892-40A4-A42C-8BD7BEDB7E2D}"/>
+              </a:ext>
+            </a:extLst>
+          </p:cNvPr>
+          <p:cNvSpPr/>
+          <p:nvPr/>
+        </p:nvSpPr>
+        <p:spPr>
+          <a:xfrm>
+            <a:off x="9679818" y="1454525"/>
+            <a:ext cx="1569469" cy="369332"/>
+          </a:xfrm>
+          <a:prstGeom prst="rect">
+            <a:avLst/>
+          </a:prstGeom>
+        </p:spPr>
+        <p:txBody>
+          <a:bodyPr wrap="none">
+            <a:spAutoFit/>
+          </a:bodyPr>
+          <a:lstStyle/>
+          <a:p>
+            <a:r>
+              <a:rPr lang="en-US" dirty="0"/>
+              <a:t>Fixed runtime</a:t>
+            </a:r>
+            <a:endParaRPr lang="en-GB" dirty="0"/>
+          </a:p>
+        </p:txBody>
+      </p:sp>
+      <p:sp>
+        <p:nvSpPr>
+          <p:cNvPr id="23" name="Rectangle 22">
+            <a:extLst>
+              <a:ext uri="{FF2B5EF4-FFF2-40B4-BE49-F238E27FC236}">
+                <a16:creationId xmlns:a16="http://schemas.microsoft.com/office/drawing/2014/main" id="{708029CC-6FB7-4BB9-AE54-CD04FFAD2D5A}"/>
+              </a:ext>
+            </a:extLst>
+          </p:cNvPr>
+          <p:cNvSpPr/>
+          <p:nvPr/>
+        </p:nvSpPr>
+        <p:spPr bwMode="auto">
+          <a:xfrm>
+            <a:off x="9354561" y="1959137"/>
+            <a:ext cx="288435" cy="282298"/>
+          </a:xfrm>
+          <a:prstGeom prst="rect">
+            <a:avLst/>
+          </a:prstGeom>
+          <a:solidFill>
+            <a:srgbClr val="5C2D91"/>
+          </a:solidFill>
+          <a:ln>
+            <a:noFill/>
+            <a:headEnd type="none" w="med" len="med"/>
+            <a:tailEnd type="none" w="med" len="med"/>
+          </a:ln>
+          <a:effectLst/>
+        </p:spPr>
+        <p:style>
+          <a:lnRef idx="1">
+            <a:schemeClr val="accent2"/>
+          </a:lnRef>
+          <a:fillRef idx="3">
+            <a:schemeClr val="accent2"/>
+          </a:fillRef>
+          <a:effectRef idx="2">
+            <a:schemeClr val="accent2"/>
+          </a:effectRef>
+          <a:fontRef idx="minor">
+            <a:schemeClr val="lt1"/>
+          </a:fontRef>
+        </p:style>
+        <p:txBody>
+          <a:bodyPr rot="0" spcFirstLastPara="0" vertOverflow="overflow" horzOverflow="overflow" vert="horz" wrap="square" lIns="182880" tIns="146304" rIns="182880" bIns="146304" numCol="1" spcCol="0" rtlCol="0" fromWordArt="0" anchor="t" anchorCtr="0" forceAA="0" compatLnSpc="1">
+            <a:prstTxWarp prst="textNoShape">
+              <a:avLst/>
+            </a:prstTxWarp>
+            <a:noAutofit/>
+          </a:bodyPr>
+          <a:lstStyle/>
+          <a:p>
+            <a:pPr algn="ctr" defTabSz="932472" fontAlgn="base">
+              <a:lnSpc>
+                <a:spcPct val="90000"/>
+              </a:lnSpc>
+              <a:spcBef>
+                <a:spcPct val="0"/>
+              </a:spcBef>
+              <a:spcAft>
+                <a:spcPct val="0"/>
+              </a:spcAft>
+            </a:pPr>
+            <a:endParaRPr lang="en-GB" sz="2400" dirty="0" err="1">
+              <a:gradFill>
+                <a:gsLst>
+                  <a:gs pos="0">
+                    <a:srgbClr val="FFFFFF"/>
+                  </a:gs>
+                  <a:gs pos="100000">
+                    <a:srgbClr val="FFFFFF"/>
+                  </a:gs>
+                </a:gsLst>
+                <a:lin ang="5400000" scaled="0"/>
+              </a:gradFill>
+              <a:ea typeface="Segoe UI" pitchFamily="34" charset="0"/>
+              <a:cs typeface="Segoe UI" pitchFamily="34" charset="0"/>
+            </a:endParaRPr>
+          </a:p>
+        </p:txBody>
+      </p:sp>
+      <p:sp>
+        <p:nvSpPr>
+          <p:cNvPr id="24" name="Rectangle 23">
+            <a:extLst>
+              <a:ext uri="{FF2B5EF4-FFF2-40B4-BE49-F238E27FC236}">
+                <a16:creationId xmlns:a16="http://schemas.microsoft.com/office/drawing/2014/main" id="{73810141-A1AB-4838-99D3-33506AA73685}"/>
+              </a:ext>
+            </a:extLst>
+          </p:cNvPr>
+          <p:cNvSpPr/>
+          <p:nvPr/>
+        </p:nvSpPr>
+        <p:spPr>
+          <a:xfrm>
+            <a:off x="9679818" y="1915620"/>
+            <a:ext cx="2198615" cy="369332"/>
+          </a:xfrm>
+          <a:prstGeom prst="rect">
+            <a:avLst/>
+          </a:prstGeom>
+        </p:spPr>
+        <p:txBody>
+          <a:bodyPr wrap="none">
+            <a:spAutoFit/>
+          </a:bodyPr>
+          <a:lstStyle/>
+          <a:p>
+            <a:r>
+              <a:rPr lang="en-US" dirty="0"/>
+              <a:t>Your app &amp; libraries</a:t>
+            </a:r>
+            <a:endParaRPr lang="en-GB" dirty="0"/>
+          </a:p>
+        </p:txBody>
+      </p:sp>
+      <p:sp>
+        <p:nvSpPr>
+          <p:cNvPr id="25" name="Rectangle 24">
+            <a:extLst>
+              <a:ext uri="{FF2B5EF4-FFF2-40B4-BE49-F238E27FC236}">
+                <a16:creationId xmlns:a16="http://schemas.microsoft.com/office/drawing/2014/main" id="{9598DAE6-3BB8-4943-B24D-89614C1E1505}"/>
+              </a:ext>
+            </a:extLst>
+          </p:cNvPr>
+          <p:cNvSpPr/>
+          <p:nvPr/>
+        </p:nvSpPr>
+        <p:spPr>
+          <a:xfrm>
+            <a:off x="6719089" y="6338669"/>
+            <a:ext cx="2077107" cy="307777"/>
+          </a:xfrm>
+          <a:prstGeom prst="rect">
+            <a:avLst/>
+          </a:prstGeom>
+        </p:spPr>
+        <p:txBody>
+          <a:bodyPr wrap="none">
+            <a:spAutoFit/>
+          </a:bodyPr>
+          <a:lstStyle/>
+          <a:p>
+            <a:r>
+              <a:rPr lang="en-US" sz="1400" dirty="0"/>
+              <a:t>(* not yet implemented)</a:t>
+            </a:r>
+            <a:endParaRPr lang="en-GB" sz="1400" dirty="0"/>
+          </a:p>
+        </p:txBody>
+      </p:sp>
+    </p:spTree>
+    <p:extLst>
+      <p:ext uri="{BB962C8B-B14F-4D97-AF65-F5344CB8AC3E}">
+        <p14:creationId xmlns:p14="http://schemas.microsoft.com/office/powerpoint/2010/main" val="894797315"/>
+      </p:ext>
+    </p:extLst>
+  </p:cSld>
+  <p:clrMapOvr>
+    <a:masterClrMapping/>
+  </p:clrMapOvr>
+  <p:transition>
+    <p:fade/>
+  </p:transition>
+  <p:timing>
+    <p:tnLst>
+      <p:par>
+        <p:cTn id="1" dur="indefinite" restart="never" nodeType="tmRoot">
+          <p:childTnLst>
+            <p:seq concurrent="1" nextAc="seek">
+              <p:cTn id="2" dur="indefinite" nodeType="mainSeq">
+                <p:childTnLst>
+                  <p:par>
+                    <p:cTn id="3" fill="hold">
+                      <p:stCondLst>
+                        <p:cond delay="indefinite"/>
+                      </p:stCondLst>
+                      <p:childTnLst>
+                        <p:par>
+                          <p:cTn id="4" fill="hold">
+                            <p:stCondLst>
+                              <p:cond delay="0"/>
+                            </p:stCondLst>
+                            <p:childTnLst>
+                              <p:par>
+                                <p:cTn id="5" presetID="10" presetClass="entr" presetSubtype="0" fill="hold" nodeType="clickEffect">
+                                  <p:stCondLst>
+                                    <p:cond delay="0"/>
+                                  </p:stCondLst>
+                                  <p:childTnLst>
+                                    <p:set>
+                                      <p:cBhvr>
+                                        <p:cTn id="6" dur="1" fill="hold">
+                                          <p:stCondLst>
+                                            <p:cond delay="0"/>
+                                          </p:stCondLst>
+                                        </p:cTn>
+                                        <p:tgtEl>
+                                          <p:spTgt spid="15"/>
+                                        </p:tgtEl>
+                                        <p:attrNameLst>
+                                          <p:attrName>style.visibility</p:attrName>
+                                        </p:attrNameLst>
+                                      </p:cBhvr>
+                                      <p:to>
+                                        <p:strVal val="visible"/>
+                                      </p:to>
+                                    </p:set>
+                                    <p:animEffect transition="in" filter="fade">
+                                      <p:cBhvr>
+                                        <p:cTn id="7" dur="500"/>
+                                        <p:tgtEl>
+                                          <p:spTgt spid="15"/>
+                                        </p:tgtEl>
+                                      </p:cBhvr>
+                                    </p:animEffect>
+                                  </p:childTnLst>
+                                </p:cTn>
+                              </p:par>
+                              <p:par>
+                                <p:cTn id="8" presetID="10" presetClass="entr" presetSubtype="0" fill="hold" grpId="0" nodeType="withEffect">
+                                  <p:stCondLst>
+                                    <p:cond delay="0"/>
+                                  </p:stCondLst>
+                                  <p:childTnLst>
+                                    <p:set>
+                                      <p:cBhvr>
+                                        <p:cTn id="9" dur="1" fill="hold">
+                                          <p:stCondLst>
+                                            <p:cond delay="0"/>
+                                          </p:stCondLst>
+                                        </p:cTn>
+                                        <p:tgtEl>
+                                          <p:spTgt spid="18"/>
+                                        </p:tgtEl>
+                                        <p:attrNameLst>
+                                          <p:attrName>style.visibility</p:attrName>
+                                        </p:attrNameLst>
+                                      </p:cBhvr>
+                                      <p:to>
+                                        <p:strVal val="visible"/>
+                                      </p:to>
+                                    </p:set>
+                                    <p:animEffect transition="in" filter="fade">
+                                      <p:cBhvr>
+                                        <p:cTn id="10" dur="500"/>
+                                        <p:tgtEl>
+                                          <p:spTgt spid="18"/>
+                                        </p:tgtEl>
+                                      </p:cBhvr>
+                                    </p:animEffect>
+                                  </p:childTnLst>
+                                </p:cTn>
+                              </p:par>
+                              <p:par>
+                                <p:cTn id="11" presetID="10" presetClass="entr" presetSubtype="0" fill="hold" grpId="0" nodeType="withEffect">
+                                  <p:stCondLst>
+                                    <p:cond delay="0"/>
+                                  </p:stCondLst>
+                                  <p:childTnLst>
+                                    <p:set>
+                                      <p:cBhvr>
+                                        <p:cTn id="12" dur="1" fill="hold">
+                                          <p:stCondLst>
+                                            <p:cond delay="0"/>
+                                          </p:stCondLst>
+                                        </p:cTn>
+                                        <p:tgtEl>
+                                          <p:spTgt spid="21"/>
+                                        </p:tgtEl>
+                                        <p:attrNameLst>
+                                          <p:attrName>style.visibility</p:attrName>
+                                        </p:attrNameLst>
+                                      </p:cBhvr>
+                                      <p:to>
+                                        <p:strVal val="visible"/>
+                                      </p:to>
+                                    </p:set>
+                                    <p:animEffect transition="in" filter="fade">
+                                      <p:cBhvr>
+                                        <p:cTn id="13" dur="500"/>
+                                        <p:tgtEl>
+                                          <p:spTgt spid="21"/>
+                                        </p:tgtEl>
+                                      </p:cBhvr>
+                                    </p:animEffect>
+                                  </p:childTnLst>
+                                </p:cTn>
+                              </p:par>
+                              <p:par>
+                                <p:cTn id="14" presetID="10" presetClass="entr" presetSubtype="0" fill="hold" grpId="0" nodeType="withEffect">
+                                  <p:stCondLst>
+                                    <p:cond delay="0"/>
+                                  </p:stCondLst>
+                                  <p:childTnLst>
+                                    <p:set>
+                                      <p:cBhvr>
+                                        <p:cTn id="15" dur="1" fill="hold">
+                                          <p:stCondLst>
+                                            <p:cond delay="0"/>
+                                          </p:stCondLst>
+                                        </p:cTn>
+                                        <p:tgtEl>
+                                          <p:spTgt spid="22"/>
+                                        </p:tgtEl>
+                                        <p:attrNameLst>
+                                          <p:attrName>style.visibility</p:attrName>
+                                        </p:attrNameLst>
+                                      </p:cBhvr>
+                                      <p:to>
+                                        <p:strVal val="visible"/>
+                                      </p:to>
+                                    </p:set>
+                                    <p:animEffect transition="in" filter="fade">
+                                      <p:cBhvr>
+                                        <p:cTn id="16" dur="500"/>
+                                        <p:tgtEl>
+                                          <p:spTgt spid="22"/>
+                                        </p:tgtEl>
+                                      </p:cBhvr>
+                                    </p:animEffect>
+                                  </p:childTnLst>
+                                </p:cTn>
+                              </p:par>
+                              <p:par>
+                                <p:cTn id="17" presetID="10" presetClass="entr" presetSubtype="0" fill="hold" grpId="0" nodeType="withEffect">
+                                  <p:stCondLst>
+                                    <p:cond delay="0"/>
+                                  </p:stCondLst>
+                                  <p:childTnLst>
+                                    <p:set>
+                                      <p:cBhvr>
+                                        <p:cTn id="18" dur="1" fill="hold">
+                                          <p:stCondLst>
+                                            <p:cond delay="0"/>
+                                          </p:stCondLst>
+                                        </p:cTn>
+                                        <p:tgtEl>
+                                          <p:spTgt spid="23"/>
+                                        </p:tgtEl>
+                                        <p:attrNameLst>
+                                          <p:attrName>style.visibility</p:attrName>
+                                        </p:attrNameLst>
+                                      </p:cBhvr>
+                                      <p:to>
+                                        <p:strVal val="visible"/>
+                                      </p:to>
+                                    </p:set>
+                                    <p:animEffect transition="in" filter="fade">
+                                      <p:cBhvr>
+                                        <p:cTn id="19" dur="500"/>
+                                        <p:tgtEl>
+                                          <p:spTgt spid="23"/>
+                                        </p:tgtEl>
+                                      </p:cBhvr>
+                                    </p:animEffect>
+                                  </p:childTnLst>
+                                </p:cTn>
+                              </p:par>
+                              <p:par>
+                                <p:cTn id="20" presetID="10" presetClass="entr" presetSubtype="0" fill="hold" grpId="0" nodeType="withEffect">
+                                  <p:stCondLst>
+                                    <p:cond delay="0"/>
+                                  </p:stCondLst>
+                                  <p:childTnLst>
+                                    <p:set>
+                                      <p:cBhvr>
+                                        <p:cTn id="21" dur="1" fill="hold">
+                                          <p:stCondLst>
+                                            <p:cond delay="0"/>
+                                          </p:stCondLst>
+                                        </p:cTn>
+                                        <p:tgtEl>
+                                          <p:spTgt spid="24"/>
+                                        </p:tgtEl>
+                                        <p:attrNameLst>
+                                          <p:attrName>style.visibility</p:attrName>
+                                        </p:attrNameLst>
+                                      </p:cBhvr>
+                                      <p:to>
+                                        <p:strVal val="visible"/>
+                                      </p:to>
+                                    </p:set>
+                                    <p:animEffect transition="in" filter="fade">
+                                      <p:cBhvr>
+                                        <p:cTn id="22" dur="500"/>
+                                        <p:tgtEl>
+                                          <p:spTgt spid="24"/>
+                                        </p:tgtEl>
+                                      </p:cBhvr>
+                                    </p:animEffect>
+                                  </p:childTnLst>
+                                </p:cTn>
+                              </p:par>
+                            </p:childTnLst>
+                          </p:cTn>
+                        </p:par>
+                      </p:childTnLst>
+                    </p:cTn>
+                  </p:par>
+                  <p:par>
+                    <p:cTn id="23" fill="hold">
+                      <p:stCondLst>
+                        <p:cond delay="indefinite"/>
+                      </p:stCondLst>
+                      <p:childTnLst>
+                        <p:par>
+                          <p:cTn id="24" fill="hold">
+                            <p:stCondLst>
+                              <p:cond delay="0"/>
+                            </p:stCondLst>
+                            <p:childTnLst>
+                              <p:par>
+                                <p:cTn id="25" presetID="10" presetClass="entr" presetSubtype="0" fill="hold" nodeType="clickEffect">
+                                  <p:stCondLst>
+                                    <p:cond delay="0"/>
+                                  </p:stCondLst>
+                                  <p:childTnLst>
+                                    <p:set>
+                                      <p:cBhvr>
+                                        <p:cTn id="26" dur="1" fill="hold">
+                                          <p:stCondLst>
+                                            <p:cond delay="0"/>
+                                          </p:stCondLst>
+                                        </p:cTn>
+                                        <p:tgtEl>
+                                          <p:spTgt spid="16"/>
+                                        </p:tgtEl>
+                                        <p:attrNameLst>
+                                          <p:attrName>style.visibility</p:attrName>
+                                        </p:attrNameLst>
+                                      </p:cBhvr>
+                                      <p:to>
+                                        <p:strVal val="visible"/>
+                                      </p:to>
+                                    </p:set>
+                                    <p:animEffect transition="in" filter="fade">
+                                      <p:cBhvr>
+                                        <p:cTn id="27" dur="500"/>
+                                        <p:tgtEl>
+                                          <p:spTgt spid="16"/>
+                                        </p:tgtEl>
+                                      </p:cBhvr>
+                                    </p:animEffect>
+                                  </p:childTnLst>
+                                </p:cTn>
+                              </p:par>
+                              <p:par>
+                                <p:cTn id="28" presetID="10" presetClass="entr" presetSubtype="0" fill="hold" grpId="0" nodeType="withEffect">
+                                  <p:stCondLst>
+                                    <p:cond delay="0"/>
+                                  </p:stCondLst>
+                                  <p:childTnLst>
+                                    <p:set>
+                                      <p:cBhvr>
+                                        <p:cTn id="29" dur="1" fill="hold">
+                                          <p:stCondLst>
+                                            <p:cond delay="0"/>
+                                          </p:stCondLst>
+                                        </p:cTn>
+                                        <p:tgtEl>
+                                          <p:spTgt spid="19"/>
+                                        </p:tgtEl>
+                                        <p:attrNameLst>
+                                          <p:attrName>style.visibility</p:attrName>
+                                        </p:attrNameLst>
+                                      </p:cBhvr>
+                                      <p:to>
+                                        <p:strVal val="visible"/>
+                                      </p:to>
+                                    </p:set>
+                                    <p:animEffect transition="in" filter="fade">
+                                      <p:cBhvr>
+                                        <p:cTn id="30" dur="500"/>
+                                        <p:tgtEl>
+                                          <p:spTgt spid="19"/>
+                                        </p:tgtEl>
+                                      </p:cBhvr>
+                                    </p:animEffect>
+                                  </p:childTnLst>
+                                </p:cTn>
+                              </p:par>
+                            </p:childTnLst>
+                          </p:cTn>
+                        </p:par>
+                      </p:childTnLst>
+                    </p:cTn>
+                  </p:par>
+                  <p:par>
+                    <p:cTn id="31" fill="hold">
+                      <p:stCondLst>
+                        <p:cond delay="indefinite"/>
+                      </p:stCondLst>
+                      <p:childTnLst>
+                        <p:par>
+                          <p:cTn id="32" fill="hold">
+                            <p:stCondLst>
+                              <p:cond delay="0"/>
+                            </p:stCondLst>
+                            <p:childTnLst>
+                              <p:par>
+                                <p:cTn id="33" presetID="10" presetClass="entr" presetSubtype="0" fill="hold" nodeType="clickEffect">
+                                  <p:stCondLst>
+                                    <p:cond delay="0"/>
+                                  </p:stCondLst>
+                                  <p:childTnLst>
+                                    <p:set>
+                                      <p:cBhvr>
+                                        <p:cTn id="34" dur="1" fill="hold">
+                                          <p:stCondLst>
+                                            <p:cond delay="0"/>
+                                          </p:stCondLst>
+                                        </p:cTn>
+                                        <p:tgtEl>
+                                          <p:spTgt spid="17"/>
+                                        </p:tgtEl>
+                                        <p:attrNameLst>
+                                          <p:attrName>style.visibility</p:attrName>
+                                        </p:attrNameLst>
+                                      </p:cBhvr>
+                                      <p:to>
+                                        <p:strVal val="visible"/>
+                                      </p:to>
+                                    </p:set>
+                                    <p:animEffect transition="in" filter="fade">
+                                      <p:cBhvr>
+                                        <p:cTn id="35" dur="500"/>
+                                        <p:tgtEl>
+                                          <p:spTgt spid="17"/>
+                                        </p:tgtEl>
+                                      </p:cBhvr>
+                                    </p:animEffect>
+                                  </p:childTnLst>
+                                </p:cTn>
+                              </p:par>
+                              <p:par>
+                                <p:cTn id="36" presetID="10" presetClass="entr" presetSubtype="0" fill="hold" grpId="0" nodeType="withEffect">
+                                  <p:stCondLst>
+                                    <p:cond delay="0"/>
+                                  </p:stCondLst>
+                                  <p:childTnLst>
+                                    <p:set>
+                                      <p:cBhvr>
+                                        <p:cTn id="37" dur="1" fill="hold">
+                                          <p:stCondLst>
+                                            <p:cond delay="0"/>
+                                          </p:stCondLst>
+                                        </p:cTn>
+                                        <p:tgtEl>
+                                          <p:spTgt spid="20"/>
+                                        </p:tgtEl>
+                                        <p:attrNameLst>
+                                          <p:attrName>style.visibility</p:attrName>
+                                        </p:attrNameLst>
+                                      </p:cBhvr>
+                                      <p:to>
+                                        <p:strVal val="visible"/>
+                                      </p:to>
+                                    </p:set>
+                                    <p:animEffect transition="in" filter="fade">
+                                      <p:cBhvr>
+                                        <p:cTn id="38" dur="500"/>
+                                        <p:tgtEl>
+                                          <p:spTgt spid="20"/>
+                                        </p:tgtEl>
+                                      </p:cBhvr>
+                                    </p:animEffect>
+                                  </p:childTnLst>
+                                </p:cTn>
+                              </p:par>
+                              <p:par>
+                                <p:cTn id="39" presetID="10" presetClass="entr" presetSubtype="0" fill="hold" grpId="0" nodeType="withEffect">
+                                  <p:stCondLst>
+                                    <p:cond delay="0"/>
+                                  </p:stCondLst>
+                                  <p:childTnLst>
+                                    <p:set>
+                                      <p:cBhvr>
+                                        <p:cTn id="40" dur="1" fill="hold">
+                                          <p:stCondLst>
+                                            <p:cond delay="0"/>
+                                          </p:stCondLst>
+                                        </p:cTn>
+                                        <p:tgtEl>
+                                          <p:spTgt spid="25"/>
+                                        </p:tgtEl>
+                                        <p:attrNameLst>
+                                          <p:attrName>style.visibility</p:attrName>
+                                        </p:attrNameLst>
+                                      </p:cBhvr>
+                                      <p:to>
+                                        <p:strVal val="visible"/>
+                                      </p:to>
+                                    </p:set>
+                                    <p:animEffect transition="in" filter="fade">
+                                      <p:cBhvr>
+                                        <p:cTn id="41" dur="500"/>
+                                        <p:tgtEl>
+                                          <p:spTgt spid="25"/>
+                                        </p:tgtEl>
+                                      </p:cBhvr>
+                                    </p:animEffect>
+                                  </p:childTnLst>
+                                </p:cTn>
+                              </p:par>
+                            </p:childTnLst>
+                          </p:cTn>
+                        </p:par>
+                      </p:childTnLst>
+                    </p:cTn>
+                  </p:par>
+                </p:childTnLst>
+              </p:cTn>
+              <p:prevCondLst>
+                <p:cond evt="onPrev" delay="0">
+                  <p:tgtEl>
+                    <p:sldTgt/>
+                  </p:tgtEl>
+                </p:cond>
+              </p:prevCondLst>
+              <p:nextCondLst>
+                <p:cond evt="onNext" delay="0">
+                  <p:tgtEl>
+                    <p:sldTgt/>
+                  </p:tgtEl>
+                </p:cond>
+              </p:nextCondLst>
+            </p:seq>
+          </p:childTnLst>
+        </p:cTn>
+      </p:par>
+    </p:tnLst>
+    <p:bldLst>
+      <p:bldP spid="18" grpId="0"/>
+      <p:bldP spid="19" grpId="0"/>
+      <p:bldP spid="20" grpId="0"/>
+      <p:bldP spid="21" grpId="0" animBg="1"/>
+      <p:bldP spid="22" grpId="0"/>
+      <p:bldP spid="23" grpId="0" animBg="1"/>
+      <p:bldP spid="24" grpId="0"/>
+      <p:bldP spid="25" grpId="0"/>
+    </p:bldLst>
+  </p:timing>
+</p:sld>
+</file>
+
+<file path=ppt/slides/slide11.xml><?xml version="1.0" encoding="utf-8"?>
+<p:sld xmlns:a="http://schemas.openxmlformats.org/drawingml/2006/main" xmlns:r="http://schemas.openxmlformats.org/officeDocument/2006/relationships" xmlns:p="http://schemas.openxmlformats.org/presentationml/2006/main">
+  <p:cSld>
+    <p:spTree>
+      <p:nvGrpSpPr>
+        <p:cNvPr id="1" name=""/>
+        <p:cNvGrpSpPr/>
+        <p:nvPr/>
+      </p:nvGrpSpPr>
+      <p:grpSpPr>
+        <a:xfrm>
+          <a:off x="0" y="0"/>
+          <a:ext cx="0" cy="0"/>
+          <a:chOff x="0" y="0"/>
+          <a:chExt cx="0" cy="0"/>
+        </a:xfrm>
+      </p:grpSpPr>
+      <p:sp>
+        <p:nvSpPr>
           <p:cNvPr id="2" name="Title 1">
             <a:extLst>
               <a:ext uri="{FF2B5EF4-FFF2-40B4-BE49-F238E27FC236}">
@@ -6468,7 +8917,7 @@
     </p:spTree>
     <p:extLst>
       <p:ext uri="{BB962C8B-B14F-4D97-AF65-F5344CB8AC3E}">
-        <p14:creationId xmlns:p14="http://schemas.microsoft.com/office/powerpoint/2010/main" val="3869674650"/>
+        <p14:creationId xmlns:p14="http://schemas.microsoft.com/office/powerpoint/2010/main" val="4289776264"/>
       </p:ext>
     </p:extLst>
   </p:cSld>
@@ -9412,6 +11861,15 @@
 </file>
 
 <file path=customXml/item1.xml><?xml version="1.0" encoding="utf-8"?>
+<?mso-contentType ?>
+<FormTemplates xmlns="http://schemas.microsoft.com/sharepoint/v3/contenttype/forms">
+  <Display>DocumentLibraryForm</Display>
+  <Edit>DocumentLibraryForm</Edit>
+  <New>DocumentLibraryForm</New>
+</FormTemplates>
+</file>
+
+<file path=customXml/item2.xml><?xml version="1.0" encoding="utf-8"?>
 <p:properties xmlns:p="http://schemas.microsoft.com/office/2006/metadata/properties" xmlns:xsi="http://www.w3.org/2001/XMLSchema-instance" xmlns:pc="http://schemas.microsoft.com/office/infopath/2007/PartnerControls">
   <documentManagement>
     <_ip_UnifiedCompliancePolicyProperties xmlns="http://schemas.microsoft.com/sharepoint/v3" xsi:nil="true"/>
@@ -9427,15 +11885,6 @@
     <LastSharedByTime xmlns="11245976-3b4d-4794-a754-317688483df2">2018-03-16T04:12:59+00:00</LastSharedByTime>
   </documentManagement>
 </p:properties>
-</file>
-
-<file path=customXml/item2.xml><?xml version="1.0" encoding="utf-8"?>
-<?mso-contentType ?>
-<FormTemplates xmlns="http://schemas.microsoft.com/sharepoint/v3/contenttype/forms">
-  <Display>DocumentLibraryForm</Display>
-  <Edit>DocumentLibraryForm</Edit>
-  <New>DocumentLibraryForm</New>
-</FormTemplates>
 </file>
 
 <file path=customXml/item3.xml><?xml version="1.0" encoding="utf-8"?>
@@ -9653,20 +12102,20 @@
 </file>
 
 <file path=customXml/itemProps1.xml><?xml version="1.0" encoding="utf-8"?>
+<ds:datastoreItem xmlns:ds="http://schemas.openxmlformats.org/officeDocument/2006/customXml" ds:itemID="{093821A7-5528-48BE-BD00-067FBFDD28D5}">
+  <ds:schemaRefs>
+    <ds:schemaRef ds:uri="http://schemas.microsoft.com/sharepoint/v3/contenttype/forms"/>
+  </ds:schemaRefs>
+</ds:datastoreItem>
+</file>
+
+<file path=customXml/itemProps2.xml><?xml version="1.0" encoding="utf-8"?>
 <ds:datastoreItem xmlns:ds="http://schemas.openxmlformats.org/officeDocument/2006/customXml" ds:itemID="{D23E43D6-DB2F-4C33-A8C8-D28F777A5DE7}">
   <ds:schemaRefs>
     <ds:schemaRef ds:uri="http://schemas.microsoft.com/office/2006/metadata/properties"/>
     <ds:schemaRef ds:uri="http://schemas.microsoft.com/office/infopath/2007/PartnerControls"/>
     <ds:schemaRef ds:uri="http://schemas.microsoft.com/sharepoint/v3"/>
     <ds:schemaRef ds:uri="11245976-3b4d-4794-a754-317688483df2"/>
-  </ds:schemaRefs>
-</ds:datastoreItem>
-</file>
-
-<file path=customXml/itemProps2.xml><?xml version="1.0" encoding="utf-8"?>
-<ds:datastoreItem xmlns:ds="http://schemas.openxmlformats.org/officeDocument/2006/customXml" ds:itemID="{093821A7-5528-48BE-BD00-067FBFDD28D5}">
-  <ds:schemaRefs>
-    <ds:schemaRef ds:uri="http://schemas.microsoft.com/sharepoint/v3/contenttype/forms"/>
   </ds:schemaRefs>
 </ds:datastoreItem>
 </file>

--- a/Slides.pptx
+++ b/Slides.pptx
@@ -1189,7 +1189,7 @@
           <a:p>
             <a:fld id="{18438622-0837-4E9E-A16C-0B0206CE676E}" type="datetimeFigureOut">
               <a:rPr lang="en-US" smtClean="0"/>
-              <a:t>1/13/2020</a:t>
+              <a:t>1/14/2020</a:t>
             </a:fld>
             <a:endParaRPr lang="en-US"/>
           </a:p>
@@ -10831,7 +10831,7 @@
         <p:spPr>
           <a:xfrm>
             <a:off x="269239" y="1189177"/>
-            <a:ext cx="11653523" cy="2586157"/>
+            <a:ext cx="11653523" cy="3382657"/>
           </a:xfrm>
         </p:spPr>
         <p:txBody>
@@ -10865,6 +10865,28 @@
             <a:r>
               <a:rPr lang="en-US" dirty="0"/>
               <a:t>Could we create the best of both?</a:t>
+            </a:r>
+          </a:p>
+          <a:p>
+            <a:pPr lvl="1"/>
+            <a:r>
+              <a:rPr lang="en-US" dirty="0"/>
+              <a:t>Lightweight to download and run</a:t>
+            </a:r>
+          </a:p>
+          <a:p>
+            <a:pPr lvl="1"/>
+            <a:r>
+              <a:rPr lang="en-US" dirty="0"/>
+              <a:t>Native code (not .</a:t>
+            </a:r>
+            <a:r>
+              <a:rPr lang="en-US" dirty="0" err="1"/>
+              <a:t>wasm</a:t>
+            </a:r>
+            <a:r>
+              <a:rPr lang="en-US" dirty="0"/>
+              <a:t>), full OS access</a:t>
             </a:r>
           </a:p>
         </p:txBody>
@@ -11148,6 +11170,128 @@
                                           <p:spTgt spid="2">
                                             <p:txEl>
                                               <p:pRg st="4" end="4"/>
+                                            </p:txEl>
+                                          </p:spTgt>
+                                        </p:tgtEl>
+                                      </p:cBhvr>
+                                    </p:animEffect>
+                                  </p:childTnLst>
+                                </p:cTn>
+                              </p:par>
+                            </p:childTnLst>
+                          </p:cTn>
+                        </p:par>
+                      </p:childTnLst>
+                    </p:cTn>
+                  </p:par>
+                  <p:par>
+                    <p:cTn id="23" fill="hold">
+                      <p:stCondLst>
+                        <p:cond delay="indefinite"/>
+                      </p:stCondLst>
+                      <p:childTnLst>
+                        <p:par>
+                          <p:cTn id="24" fill="hold">
+                            <p:stCondLst>
+                              <p:cond delay="0"/>
+                            </p:stCondLst>
+                            <p:childTnLst>
+                              <p:par>
+                                <p:cTn id="25" presetID="10" presetClass="entr" presetSubtype="0" fill="hold" nodeType="clickEffect">
+                                  <p:stCondLst>
+                                    <p:cond delay="0"/>
+                                  </p:stCondLst>
+                                  <p:childTnLst>
+                                    <p:set>
+                                      <p:cBhvr>
+                                        <p:cTn id="26" dur="1" fill="hold">
+                                          <p:stCondLst>
+                                            <p:cond delay="0"/>
+                                          </p:stCondLst>
+                                        </p:cTn>
+                                        <p:tgtEl>
+                                          <p:spTgt spid="2">
+                                            <p:txEl>
+                                              <p:pRg st="5" end="5"/>
+                                            </p:txEl>
+                                          </p:spTgt>
+                                        </p:tgtEl>
+                                        <p:attrNameLst>
+                                          <p:attrName>style.visibility</p:attrName>
+                                        </p:attrNameLst>
+                                      </p:cBhvr>
+                                      <p:to>
+                                        <p:strVal val="visible"/>
+                                      </p:to>
+                                    </p:set>
+                                    <p:animEffect transition="in" filter="fade">
+                                      <p:cBhvr>
+                                        <p:cTn id="27" dur="500"/>
+                                        <p:tgtEl>
+                                          <p:spTgt spid="2">
+                                            <p:txEl>
+                                              <p:pRg st="5" end="5"/>
+                                            </p:txEl>
+                                          </p:spTgt>
+                                        </p:tgtEl>
+                                      </p:cBhvr>
+                                    </p:animEffect>
+                                  </p:childTnLst>
+                                </p:cTn>
+                              </p:par>
+                            </p:childTnLst>
+                          </p:cTn>
+                        </p:par>
+                      </p:childTnLst>
+                    </p:cTn>
+                  </p:par>
+                  <p:par>
+                    <p:cTn id="28" fill="hold">
+                      <p:stCondLst>
+                        <p:cond delay="indefinite"/>
+                      </p:stCondLst>
+                      <p:childTnLst>
+                        <p:par>
+                          <p:cTn id="29" fill="hold">
+                            <p:stCondLst>
+                              <p:cond delay="0"/>
+                            </p:stCondLst>
+                            <p:childTnLst>
+                              <p:par>
+                                <p:cTn id="30" presetID="10" presetClass="entr" presetSubtype="0" fill="hold" nodeType="clickEffect">
+                                  <p:stCondLst>
+                                    <p:cond delay="0"/>
+                                  </p:stCondLst>
+                                  <p:childTnLst>
+                                    <p:set>
+                                      <p:cBhvr>
+                                        <p:cTn id="31" dur="1" fill="hold">
+                                          <p:stCondLst>
+                                            <p:cond delay="0"/>
+                                          </p:stCondLst>
+                                        </p:cTn>
+                                        <p:tgtEl>
+                                          <p:spTgt spid="2">
+                                            <p:txEl>
+                                              <p:pRg st="6" end="6"/>
+                                            </p:txEl>
+                                          </p:spTgt>
+                                        </p:tgtEl>
+                                        <p:attrNameLst>
+                                          <p:attrName>style.visibility</p:attrName>
+                                        </p:attrNameLst>
+                                      </p:cBhvr>
+                                      <p:to>
+                                        <p:strVal val="visible"/>
+                                      </p:to>
+                                    </p:set>
+                                    <p:animEffect transition="in" filter="fade">
+                                      <p:cBhvr>
+                                        <p:cTn id="32" dur="500"/>
+                                        <p:tgtEl>
+                                          <p:spTgt spid="2">
+                                            <p:txEl>
+                                              <p:pRg st="6" end="6"/>
                                             </p:txEl>
                                           </p:spTgt>
                                         </p:tgtEl>
@@ -11861,15 +12005,6 @@
 </file>
 
 <file path=customXml/item1.xml><?xml version="1.0" encoding="utf-8"?>
-<?mso-contentType ?>
-<FormTemplates xmlns="http://schemas.microsoft.com/sharepoint/v3/contenttype/forms">
-  <Display>DocumentLibraryForm</Display>
-  <Edit>DocumentLibraryForm</Edit>
-  <New>DocumentLibraryForm</New>
-</FormTemplates>
-</file>
-
-<file path=customXml/item2.xml><?xml version="1.0" encoding="utf-8"?>
 <p:properties xmlns:p="http://schemas.microsoft.com/office/2006/metadata/properties" xmlns:xsi="http://www.w3.org/2001/XMLSchema-instance" xmlns:pc="http://schemas.microsoft.com/office/infopath/2007/PartnerControls">
   <documentManagement>
     <_ip_UnifiedCompliancePolicyProperties xmlns="http://schemas.microsoft.com/sharepoint/v3" xsi:nil="true"/>
@@ -11885,6 +12020,15 @@
     <LastSharedByTime xmlns="11245976-3b4d-4794-a754-317688483df2">2018-03-16T04:12:59+00:00</LastSharedByTime>
   </documentManagement>
 </p:properties>
+</file>
+
+<file path=customXml/item2.xml><?xml version="1.0" encoding="utf-8"?>
+<?mso-contentType ?>
+<FormTemplates xmlns="http://schemas.microsoft.com/sharepoint/v3/contenttype/forms">
+  <Display>DocumentLibraryForm</Display>
+  <Edit>DocumentLibraryForm</Edit>
+  <New>DocumentLibraryForm</New>
+</FormTemplates>
 </file>
 
 <file path=customXml/item3.xml><?xml version="1.0" encoding="utf-8"?>
@@ -12102,20 +12246,20 @@
 </file>
 
 <file path=customXml/itemProps1.xml><?xml version="1.0" encoding="utf-8"?>
-<ds:datastoreItem xmlns:ds="http://schemas.openxmlformats.org/officeDocument/2006/customXml" ds:itemID="{093821A7-5528-48BE-BD00-067FBFDD28D5}">
-  <ds:schemaRefs>
-    <ds:schemaRef ds:uri="http://schemas.microsoft.com/sharepoint/v3/contenttype/forms"/>
-  </ds:schemaRefs>
-</ds:datastoreItem>
-</file>
-
-<file path=customXml/itemProps2.xml><?xml version="1.0" encoding="utf-8"?>
 <ds:datastoreItem xmlns:ds="http://schemas.openxmlformats.org/officeDocument/2006/customXml" ds:itemID="{D23E43D6-DB2F-4C33-A8C8-D28F777A5DE7}">
   <ds:schemaRefs>
     <ds:schemaRef ds:uri="http://schemas.microsoft.com/office/2006/metadata/properties"/>
     <ds:schemaRef ds:uri="http://schemas.microsoft.com/office/infopath/2007/PartnerControls"/>
     <ds:schemaRef ds:uri="http://schemas.microsoft.com/sharepoint/v3"/>
     <ds:schemaRef ds:uri="11245976-3b4d-4794-a754-317688483df2"/>
+  </ds:schemaRefs>
+</ds:datastoreItem>
+</file>
+
+<file path=customXml/itemProps2.xml><?xml version="1.0" encoding="utf-8"?>
+<ds:datastoreItem xmlns:ds="http://schemas.openxmlformats.org/officeDocument/2006/customXml" ds:itemID="{093821A7-5528-48BE-BD00-067FBFDD28D5}">
+  <ds:schemaRefs>
+    <ds:schemaRef ds:uri="http://schemas.microsoft.com/sharepoint/v3/contenttype/forms"/>
   </ds:schemaRefs>
 </ds:datastoreItem>
 </file>
